--- a/images/workflow_image.pptx
+++ b/images/workflow_image.pptx
@@ -15090,7 +15090,6 @@
           </p:cNvPr>
           <p:cNvCxnSpPr>
             <a:cxnSpLocks/>
-            <a:endCxn id="275" idx="6"/>
           </p:cNvCxnSpPr>
           <p:nvPr/>
         </p:nvCxnSpPr>
@@ -15690,14 +15689,13 @@
           </p:cNvPr>
           <p:cNvCxnSpPr>
             <a:cxnSpLocks/>
-            <a:endCxn id="240" idx="6"/>
           </p:cNvCxnSpPr>
           <p:nvPr/>
         </p:nvCxnSpPr>
         <p:spPr>
           <a:xfrm flipH="1">
-            <a:off x="3189721" y="5311836"/>
-            <a:ext cx="953727" cy="0"/>
+            <a:off x="3189721" y="5306590"/>
+            <a:ext cx="1607335" cy="0"/>
           </a:xfrm>
           <a:prstGeom prst="line">
             <a:avLst/>
@@ -16301,7 +16299,7 @@
         </p:blipFill>
         <p:spPr>
           <a:xfrm>
-            <a:off x="4505476" y="4811346"/>
+            <a:off x="4911151" y="4810989"/>
             <a:ext cx="909402" cy="1080000"/>
           </a:xfrm>
           <a:prstGeom prst="rect">
@@ -16653,7 +16651,7 @@
         </p:blipFill>
         <p:spPr>
           <a:xfrm>
-            <a:off x="4916342" y="3529550"/>
+            <a:off x="4911151" y="3529550"/>
             <a:ext cx="906022" cy="1080000"/>
           </a:xfrm>
           <a:prstGeom prst="rect">
@@ -16689,7 +16687,7 @@
         </p:blipFill>
         <p:spPr>
           <a:xfrm>
-            <a:off x="11089977" y="5512390"/>
+            <a:off x="11167467" y="5558884"/>
             <a:ext cx="909403" cy="1080000"/>
           </a:xfrm>
           <a:prstGeom prst="rect">
@@ -16725,7 +16723,7 @@
         </p:blipFill>
         <p:spPr>
           <a:xfrm>
-            <a:off x="10210118" y="5512390"/>
+            <a:off x="10287608" y="5558884"/>
             <a:ext cx="904901" cy="1080000"/>
           </a:xfrm>
           <a:prstGeom prst="rect">
@@ -16761,7 +16759,7 @@
         </p:blipFill>
         <p:spPr>
           <a:xfrm>
-            <a:off x="9325757" y="5512390"/>
+            <a:off x="9403247" y="5558884"/>
             <a:ext cx="909403" cy="1080000"/>
           </a:xfrm>
           <a:prstGeom prst="rect">

--- a/images/workflow_image.pptx
+++ b/images/workflow_image.pptx
@@ -14,6 +14,7 @@
     <p:sldId id="263" r:id="rId8"/>
     <p:sldId id="264" r:id="rId9"/>
     <p:sldId id="258" r:id="rId10"/>
+    <p:sldId id="265" r:id="rId11"/>
   </p:sldIdLst>
   <p:sldSz cx="12192000" cy="6858000"/>
   <p:notesSz cx="6858000" cy="9144000"/>
@@ -112,6 +113,11 @@
       </a:defRPr>
     </a:lvl9pPr>
   </p:defaultTextStyle>
+  <p:extLst>
+    <p:ext uri="{EFAFB233-063F-42B5-8137-9DF3F51BA10A}">
+      <p15:sldGuideLst xmlns:p15="http://schemas.microsoft.com/office/powerpoint/2012/main"/>
+    </p:ext>
+  </p:extLst>
 </p:presentation>
 </file>
 
@@ -264,7 +270,7 @@
           <a:p>
             <a:fld id="{EE0D03AB-E531-B34C-8E99-085C42909C3B}" type="datetimeFigureOut">
               <a:rPr lang="en-US" smtClean="0"/>
-              <a:t>3/15/24</a:t>
+              <a:t>5/20/24</a:t>
             </a:fld>
             <a:endParaRPr lang="en-US"/>
           </a:p>
@@ -464,7 +470,7 @@
           <a:p>
             <a:fld id="{EE0D03AB-E531-B34C-8E99-085C42909C3B}" type="datetimeFigureOut">
               <a:rPr lang="en-US" smtClean="0"/>
-              <a:t>3/15/24</a:t>
+              <a:t>5/20/24</a:t>
             </a:fld>
             <a:endParaRPr lang="en-US"/>
           </a:p>
@@ -674,7 +680,7 @@
           <a:p>
             <a:fld id="{EE0D03AB-E531-B34C-8E99-085C42909C3B}" type="datetimeFigureOut">
               <a:rPr lang="en-US" smtClean="0"/>
-              <a:t>3/15/24</a:t>
+              <a:t>5/20/24</a:t>
             </a:fld>
             <a:endParaRPr lang="en-US"/>
           </a:p>
@@ -874,7 +880,7 @@
           <a:p>
             <a:fld id="{EE0D03AB-E531-B34C-8E99-085C42909C3B}" type="datetimeFigureOut">
               <a:rPr lang="en-US" smtClean="0"/>
-              <a:t>3/15/24</a:t>
+              <a:t>5/20/24</a:t>
             </a:fld>
             <a:endParaRPr lang="en-US"/>
           </a:p>
@@ -1150,7 +1156,7 @@
           <a:p>
             <a:fld id="{EE0D03AB-E531-B34C-8E99-085C42909C3B}" type="datetimeFigureOut">
               <a:rPr lang="en-US" smtClean="0"/>
-              <a:t>3/15/24</a:t>
+              <a:t>5/20/24</a:t>
             </a:fld>
             <a:endParaRPr lang="en-US"/>
           </a:p>
@@ -1418,7 +1424,7 @@
           <a:p>
             <a:fld id="{EE0D03AB-E531-B34C-8E99-085C42909C3B}" type="datetimeFigureOut">
               <a:rPr lang="en-US" smtClean="0"/>
-              <a:t>3/15/24</a:t>
+              <a:t>5/20/24</a:t>
             </a:fld>
             <a:endParaRPr lang="en-US"/>
           </a:p>
@@ -1833,7 +1839,7 @@
           <a:p>
             <a:fld id="{EE0D03AB-E531-B34C-8E99-085C42909C3B}" type="datetimeFigureOut">
               <a:rPr lang="en-US" smtClean="0"/>
-              <a:t>3/15/24</a:t>
+              <a:t>5/20/24</a:t>
             </a:fld>
             <a:endParaRPr lang="en-US"/>
           </a:p>
@@ -1975,7 +1981,7 @@
           <a:p>
             <a:fld id="{EE0D03AB-E531-B34C-8E99-085C42909C3B}" type="datetimeFigureOut">
               <a:rPr lang="en-US" smtClean="0"/>
-              <a:t>3/15/24</a:t>
+              <a:t>5/20/24</a:t>
             </a:fld>
             <a:endParaRPr lang="en-US"/>
           </a:p>
@@ -2088,7 +2094,7 @@
           <a:p>
             <a:fld id="{EE0D03AB-E531-B34C-8E99-085C42909C3B}" type="datetimeFigureOut">
               <a:rPr lang="en-US" smtClean="0"/>
-              <a:t>3/15/24</a:t>
+              <a:t>5/20/24</a:t>
             </a:fld>
             <a:endParaRPr lang="en-US"/>
           </a:p>
@@ -2401,7 +2407,7 @@
           <a:p>
             <a:fld id="{EE0D03AB-E531-B34C-8E99-085C42909C3B}" type="datetimeFigureOut">
               <a:rPr lang="en-US" smtClean="0"/>
-              <a:t>3/15/24</a:t>
+              <a:t>5/20/24</a:t>
             </a:fld>
             <a:endParaRPr lang="en-US"/>
           </a:p>
@@ -2690,7 +2696,7 @@
           <a:p>
             <a:fld id="{EE0D03AB-E531-B34C-8E99-085C42909C3B}" type="datetimeFigureOut">
               <a:rPr lang="en-US" smtClean="0"/>
-              <a:t>3/15/24</a:t>
+              <a:t>5/20/24</a:t>
             </a:fld>
             <a:endParaRPr lang="en-US"/>
           </a:p>
@@ -2933,7 +2939,7 @@
           <a:p>
             <a:fld id="{EE0D03AB-E531-B34C-8E99-085C42909C3B}" type="datetimeFigureOut">
               <a:rPr lang="en-US" smtClean="0"/>
-              <a:t>3/15/24</a:t>
+              <a:t>5/20/24</a:t>
             </a:fld>
             <a:endParaRPr lang="en-US"/>
           </a:p>
@@ -3682,6 +3688,4412 @@
 </p:sld>
 </file>
 
+<file path=ppt/slides/slide10.xml><?xml version="1.0" encoding="utf-8"?>
+<p:sld xmlns:a="http://schemas.openxmlformats.org/drawingml/2006/main" xmlns:r="http://schemas.openxmlformats.org/officeDocument/2006/relationships" xmlns:p="http://schemas.openxmlformats.org/presentationml/2006/main">
+  <p:cSld>
+    <p:spTree>
+      <p:nvGrpSpPr>
+        <p:cNvPr id="1" name=""/>
+        <p:cNvGrpSpPr/>
+        <p:nvPr/>
+      </p:nvGrpSpPr>
+      <p:grpSpPr>
+        <a:xfrm>
+          <a:off x="0" y="0"/>
+          <a:ext cx="0" cy="0"/>
+          <a:chOff x="0" y="0"/>
+          <a:chExt cx="0" cy="0"/>
+        </a:xfrm>
+      </p:grpSpPr>
+      <p:sp>
+        <p:nvSpPr>
+          <p:cNvPr id="454" name="Rounded Rectangle 453">
+            <a:extLst>
+              <a:ext uri="{FF2B5EF4-FFF2-40B4-BE49-F238E27FC236}">
+                <a16:creationId xmlns:a16="http://schemas.microsoft.com/office/drawing/2014/main" id="{2F52A226-AA2F-CF4E-A9D7-2D8DA0D31B6C}"/>
+              </a:ext>
+            </a:extLst>
+          </p:cNvPr>
+          <p:cNvSpPr/>
+          <p:nvPr/>
+        </p:nvSpPr>
+        <p:spPr>
+          <a:xfrm>
+            <a:off x="85414" y="1304671"/>
+            <a:ext cx="2095456" cy="1824134"/>
+          </a:xfrm>
+          <a:prstGeom prst="roundRect">
+            <a:avLst>
+              <a:gd name="adj" fmla="val 9506"/>
+            </a:avLst>
+          </a:prstGeom>
+          <a:noFill/>
+          <a:ln w="38100">
+            <a:solidFill>
+              <a:schemeClr val="bg2"/>
+            </a:solidFill>
+          </a:ln>
+        </p:spPr>
+        <p:style>
+          <a:lnRef idx="2">
+            <a:schemeClr val="accent1">
+              <a:shade val="15000"/>
+            </a:schemeClr>
+          </a:lnRef>
+          <a:fillRef idx="1">
+            <a:schemeClr val="accent1"/>
+          </a:fillRef>
+          <a:effectRef idx="0">
+            <a:schemeClr val="accent1"/>
+          </a:effectRef>
+          <a:fontRef idx="minor">
+            <a:schemeClr val="lt1"/>
+          </a:fontRef>
+        </p:style>
+        <p:txBody>
+          <a:bodyPr rtlCol="0" anchor="ctr"/>
+          <a:lstStyle/>
+          <a:p>
+            <a:pPr algn="ctr"/>
+            <a:endParaRPr lang="en-US"/>
+          </a:p>
+        </p:txBody>
+      </p:sp>
+      <p:pic>
+        <p:nvPicPr>
+          <p:cNvPr id="7" name="Graphic 6">
+            <a:extLst>
+              <a:ext uri="{FF2B5EF4-FFF2-40B4-BE49-F238E27FC236}">
+                <a16:creationId xmlns:a16="http://schemas.microsoft.com/office/drawing/2014/main" id="{2DE42F61-933B-FE66-4CFD-40F373E89F4F}"/>
+              </a:ext>
+            </a:extLst>
+          </p:cNvPr>
+          <p:cNvPicPr>
+            <a:picLocks noChangeAspect="1"/>
+          </p:cNvPicPr>
+          <p:nvPr/>
+        </p:nvPicPr>
+        <p:blipFill>
+          <a:blip r:embed="rId2">
+            <a:extLst>
+              <a:ext uri="{96DAC541-7B7A-43D3-8B79-37D633B846F1}">
+                <asvg:svgBlip xmlns:asvg="http://schemas.microsoft.com/office/drawing/2016/SVG/main" r:embed="rId3"/>
+              </a:ext>
+            </a:extLst>
+          </a:blip>
+          <a:stretch>
+            <a:fillRect/>
+          </a:stretch>
+        </p:blipFill>
+        <p:spPr>
+          <a:xfrm>
+            <a:off x="7199533" y="4421606"/>
+            <a:ext cx="1030656" cy="1224000"/>
+          </a:xfrm>
+          <a:prstGeom prst="rect">
+            <a:avLst/>
+          </a:prstGeom>
+        </p:spPr>
+      </p:pic>
+      <p:pic>
+        <p:nvPicPr>
+          <p:cNvPr id="9" name="Graphic 8">
+            <a:extLst>
+              <a:ext uri="{FF2B5EF4-FFF2-40B4-BE49-F238E27FC236}">
+                <a16:creationId xmlns:a16="http://schemas.microsoft.com/office/drawing/2014/main" id="{9C892C89-E6F9-AFC1-26C9-9F32A9B5FFD7}"/>
+              </a:ext>
+            </a:extLst>
+          </p:cNvPr>
+          <p:cNvPicPr>
+            <a:picLocks noChangeAspect="1"/>
+          </p:cNvPicPr>
+          <p:nvPr/>
+        </p:nvPicPr>
+        <p:blipFill>
+          <a:blip r:embed="rId4">
+            <a:extLst>
+              <a:ext uri="{96DAC541-7B7A-43D3-8B79-37D633B846F1}">
+                <asvg:svgBlip xmlns:asvg="http://schemas.microsoft.com/office/drawing/2016/SVG/main" r:embed="rId5"/>
+              </a:ext>
+            </a:extLst>
+          </a:blip>
+          <a:stretch>
+            <a:fillRect/>
+          </a:stretch>
+        </p:blipFill>
+        <p:spPr>
+          <a:xfrm>
+            <a:off x="1108446" y="1814642"/>
+            <a:ext cx="1029835" cy="1224914"/>
+          </a:xfrm>
+          <a:prstGeom prst="rect">
+            <a:avLst/>
+          </a:prstGeom>
+        </p:spPr>
+      </p:pic>
+      <p:pic>
+        <p:nvPicPr>
+          <p:cNvPr id="11" name="Graphic 10">
+            <a:extLst>
+              <a:ext uri="{FF2B5EF4-FFF2-40B4-BE49-F238E27FC236}">
+                <a16:creationId xmlns:a16="http://schemas.microsoft.com/office/drawing/2014/main" id="{C0DB0C27-45E8-4249-00CD-B9B1BBF16FC5}"/>
+              </a:ext>
+            </a:extLst>
+          </p:cNvPr>
+          <p:cNvPicPr>
+            <a:picLocks noChangeAspect="1"/>
+          </p:cNvPicPr>
+          <p:nvPr/>
+        </p:nvPicPr>
+        <p:blipFill>
+          <a:blip r:embed="rId6">
+            <a:extLst>
+              <a:ext uri="{96DAC541-7B7A-43D3-8B79-37D633B846F1}">
+                <asvg:svgBlip xmlns:asvg="http://schemas.microsoft.com/office/drawing/2016/SVG/main" r:embed="rId7"/>
+              </a:ext>
+            </a:extLst>
+          </a:blip>
+          <a:stretch>
+            <a:fillRect/>
+          </a:stretch>
+        </p:blipFill>
+        <p:spPr>
+          <a:xfrm>
+            <a:off x="74528" y="1814642"/>
+            <a:ext cx="1031426" cy="1224914"/>
+          </a:xfrm>
+          <a:prstGeom prst="rect">
+            <a:avLst/>
+          </a:prstGeom>
+        </p:spPr>
+      </p:pic>
+      <p:pic>
+        <p:nvPicPr>
+          <p:cNvPr id="15" name="Graphic 14">
+            <a:extLst>
+              <a:ext uri="{FF2B5EF4-FFF2-40B4-BE49-F238E27FC236}">
+                <a16:creationId xmlns:a16="http://schemas.microsoft.com/office/drawing/2014/main" id="{530971E8-DD74-B0B1-FC2F-6C4B7C76D1FD}"/>
+              </a:ext>
+            </a:extLst>
+          </p:cNvPr>
+          <p:cNvPicPr>
+            <a:picLocks noChangeAspect="1"/>
+          </p:cNvPicPr>
+          <p:nvPr/>
+        </p:nvPicPr>
+        <p:blipFill>
+          <a:blip r:embed="rId8">
+            <a:extLst>
+              <a:ext uri="{96DAC541-7B7A-43D3-8B79-37D633B846F1}">
+                <asvg:svgBlip xmlns:asvg="http://schemas.microsoft.com/office/drawing/2016/SVG/main" r:embed="rId9"/>
+              </a:ext>
+            </a:extLst>
+          </a:blip>
+          <a:stretch>
+            <a:fillRect/>
+          </a:stretch>
+        </p:blipFill>
+        <p:spPr>
+          <a:xfrm>
+            <a:off x="374015" y="3792897"/>
+            <a:ext cx="1029135" cy="1224000"/>
+          </a:xfrm>
+          <a:prstGeom prst="rect">
+            <a:avLst/>
+          </a:prstGeom>
+        </p:spPr>
+      </p:pic>
+      <p:sp>
+        <p:nvSpPr>
+          <p:cNvPr id="22" name="TextBox 21">
+            <a:extLst>
+              <a:ext uri="{FF2B5EF4-FFF2-40B4-BE49-F238E27FC236}">
+                <a16:creationId xmlns:a16="http://schemas.microsoft.com/office/drawing/2014/main" id="{3FFE3E3C-FB95-4A2B-5A75-1F0DF5ADA440}"/>
+              </a:ext>
+            </a:extLst>
+          </p:cNvPr>
+          <p:cNvSpPr txBox="1"/>
+          <p:nvPr/>
+        </p:nvSpPr>
+        <p:spPr>
+          <a:xfrm>
+            <a:off x="2471154" y="2777445"/>
+            <a:ext cx="861146" cy="408623"/>
+          </a:xfrm>
+          <a:prstGeom prst="roundRect">
+            <a:avLst/>
+          </a:prstGeom>
+          <a:noFill/>
+          <a:ln>
+            <a:solidFill>
+              <a:srgbClr val="075353"/>
+            </a:solidFill>
+          </a:ln>
+        </p:spPr>
+        <p:txBody>
+          <a:bodyPr wrap="none" rtlCol="0">
+            <a:spAutoFit/>
+          </a:bodyPr>
+          <a:lstStyle/>
+          <a:p>
+            <a:r>
+              <a:rPr lang="en-US" b="1" dirty="0" err="1">
+                <a:latin typeface="Avenir Book" panose="02000503020000020003" pitchFamily="2" charset="0"/>
+              </a:rPr>
+              <a:t>fastqc</a:t>
+            </a:r>
+            <a:endParaRPr lang="en-US" b="1" dirty="0">
+              <a:latin typeface="Avenir Book" panose="02000503020000020003" pitchFamily="2" charset="0"/>
+            </a:endParaRPr>
+          </a:p>
+        </p:txBody>
+      </p:sp>
+      <p:sp>
+        <p:nvSpPr>
+          <p:cNvPr id="23" name="TextBox 22">
+            <a:extLst>
+              <a:ext uri="{FF2B5EF4-FFF2-40B4-BE49-F238E27FC236}">
+                <a16:creationId xmlns:a16="http://schemas.microsoft.com/office/drawing/2014/main" id="{7F001026-7835-020E-6442-2F7B5B95D297}"/>
+              </a:ext>
+            </a:extLst>
+          </p:cNvPr>
+          <p:cNvSpPr txBox="1"/>
+          <p:nvPr/>
+        </p:nvSpPr>
+        <p:spPr>
+          <a:xfrm>
+            <a:off x="3218661" y="1770550"/>
+            <a:ext cx="1565708" cy="408623"/>
+          </a:xfrm>
+          <a:prstGeom prst="roundRect">
+            <a:avLst/>
+          </a:prstGeom>
+          <a:noFill/>
+          <a:ln>
+            <a:solidFill>
+              <a:srgbClr val="075353"/>
+            </a:solidFill>
+          </a:ln>
+        </p:spPr>
+        <p:txBody>
+          <a:bodyPr wrap="none" rtlCol="0">
+            <a:spAutoFit/>
+          </a:bodyPr>
+          <a:lstStyle/>
+          <a:p>
+            <a:r>
+              <a:rPr lang="en-US" b="1" dirty="0" err="1">
+                <a:latin typeface="Avenir Book" panose="02000503020000020003" pitchFamily="2" charset="0"/>
+              </a:rPr>
+              <a:t>trimmomatic</a:t>
+            </a:r>
+            <a:endParaRPr lang="en-US" b="1" dirty="0">
+              <a:latin typeface="Avenir Book" panose="02000503020000020003" pitchFamily="2" charset="0"/>
+            </a:endParaRPr>
+          </a:p>
+        </p:txBody>
+      </p:sp>
+      <p:sp>
+        <p:nvSpPr>
+          <p:cNvPr id="24" name="TextBox 23">
+            <a:extLst>
+              <a:ext uri="{FF2B5EF4-FFF2-40B4-BE49-F238E27FC236}">
+                <a16:creationId xmlns:a16="http://schemas.microsoft.com/office/drawing/2014/main" id="{FCF642F9-D099-43A1-CEAD-A6CE608B8F45}"/>
+              </a:ext>
+            </a:extLst>
+          </p:cNvPr>
+          <p:cNvSpPr txBox="1"/>
+          <p:nvPr/>
+        </p:nvSpPr>
+        <p:spPr>
+          <a:xfrm>
+            <a:off x="4512102" y="2716915"/>
+            <a:ext cx="1163236" cy="408623"/>
+          </a:xfrm>
+          <a:prstGeom prst="roundRect">
+            <a:avLst/>
+          </a:prstGeom>
+          <a:noFill/>
+          <a:ln>
+            <a:solidFill>
+              <a:srgbClr val="075353"/>
+            </a:solidFill>
+          </a:ln>
+        </p:spPr>
+        <p:txBody>
+          <a:bodyPr wrap="none" rtlCol="0">
+            <a:spAutoFit/>
+          </a:bodyPr>
+          <a:lstStyle/>
+          <a:p>
+            <a:r>
+              <a:rPr lang="en-US" b="1" dirty="0" err="1">
+                <a:latin typeface="Avenir Book" panose="02000503020000020003" pitchFamily="2" charset="0"/>
+              </a:rPr>
+              <a:t>unicycler</a:t>
+            </a:r>
+            <a:endParaRPr lang="en-US" b="1" dirty="0">
+              <a:latin typeface="Avenir Book" panose="02000503020000020003" pitchFamily="2" charset="0"/>
+            </a:endParaRPr>
+          </a:p>
+        </p:txBody>
+      </p:sp>
+      <p:sp>
+        <p:nvSpPr>
+          <p:cNvPr id="25" name="TextBox 24">
+            <a:extLst>
+              <a:ext uri="{FF2B5EF4-FFF2-40B4-BE49-F238E27FC236}">
+                <a16:creationId xmlns:a16="http://schemas.microsoft.com/office/drawing/2014/main" id="{F1209CE8-FBE2-1C4F-1879-929247BDBFEC}"/>
+              </a:ext>
+            </a:extLst>
+          </p:cNvPr>
+          <p:cNvSpPr txBox="1"/>
+          <p:nvPr/>
+        </p:nvSpPr>
+        <p:spPr>
+          <a:xfrm>
+            <a:off x="2584036" y="5645606"/>
+            <a:ext cx="921086" cy="408623"/>
+          </a:xfrm>
+          <a:prstGeom prst="roundRect">
+            <a:avLst/>
+          </a:prstGeom>
+          <a:noFill/>
+          <a:ln>
+            <a:solidFill>
+              <a:srgbClr val="075353"/>
+            </a:solidFill>
+          </a:ln>
+        </p:spPr>
+        <p:txBody>
+          <a:bodyPr wrap="none" rtlCol="0">
+            <a:spAutoFit/>
+          </a:bodyPr>
+          <a:lstStyle/>
+          <a:p>
+            <a:r>
+              <a:rPr lang="en-US" b="1" dirty="0">
+                <a:latin typeface="Avenir Book" panose="02000503020000020003" pitchFamily="2" charset="0"/>
+              </a:rPr>
+              <a:t>snippy</a:t>
+            </a:r>
+          </a:p>
+        </p:txBody>
+      </p:sp>
+      <p:sp>
+        <p:nvSpPr>
+          <p:cNvPr id="26" name="TextBox 25">
+            <a:extLst>
+              <a:ext uri="{FF2B5EF4-FFF2-40B4-BE49-F238E27FC236}">
+                <a16:creationId xmlns:a16="http://schemas.microsoft.com/office/drawing/2014/main" id="{577C7BD8-A17D-F33B-C2BF-0DC3ED2D495E}"/>
+              </a:ext>
+            </a:extLst>
+          </p:cNvPr>
+          <p:cNvSpPr txBox="1"/>
+          <p:nvPr/>
+        </p:nvSpPr>
+        <p:spPr>
+          <a:xfrm>
+            <a:off x="2400732" y="3409415"/>
+            <a:ext cx="1280352" cy="408623"/>
+          </a:xfrm>
+          <a:prstGeom prst="roundRect">
+            <a:avLst/>
+          </a:prstGeom>
+          <a:noFill/>
+          <a:ln>
+            <a:solidFill>
+              <a:srgbClr val="075353"/>
+            </a:solidFill>
+          </a:ln>
+        </p:spPr>
+        <p:txBody>
+          <a:bodyPr wrap="none" rtlCol="0">
+            <a:spAutoFit/>
+          </a:bodyPr>
+          <a:lstStyle/>
+          <a:p>
+            <a:r>
+              <a:rPr lang="en-US" b="1" dirty="0">
+                <a:latin typeface="Avenir Book" panose="02000503020000020003" pitchFamily="2" charset="0"/>
+              </a:rPr>
+              <a:t>minimap2</a:t>
+            </a:r>
+          </a:p>
+        </p:txBody>
+      </p:sp>
+      <p:sp>
+        <p:nvSpPr>
+          <p:cNvPr id="27" name="TextBox 26">
+            <a:extLst>
+              <a:ext uri="{FF2B5EF4-FFF2-40B4-BE49-F238E27FC236}">
+                <a16:creationId xmlns:a16="http://schemas.microsoft.com/office/drawing/2014/main" id="{4591C7E3-151F-A694-7E9A-B46D190A9396}"/>
+              </a:ext>
+            </a:extLst>
+          </p:cNvPr>
+          <p:cNvSpPr txBox="1"/>
+          <p:nvPr/>
+        </p:nvSpPr>
+        <p:spPr>
+          <a:xfrm>
+            <a:off x="3522742" y="4464026"/>
+            <a:ext cx="1173133" cy="408623"/>
+          </a:xfrm>
+          <a:prstGeom prst="roundRect">
+            <a:avLst/>
+          </a:prstGeom>
+          <a:noFill/>
+          <a:ln>
+            <a:solidFill>
+              <a:srgbClr val="075353"/>
+            </a:solidFill>
+          </a:ln>
+        </p:spPr>
+        <p:txBody>
+          <a:bodyPr wrap="none" rtlCol="0">
+            <a:spAutoFit/>
+          </a:bodyPr>
+          <a:lstStyle/>
+          <a:p>
+            <a:r>
+              <a:rPr lang="en-US" b="1" dirty="0" err="1">
+                <a:latin typeface="Avenir Book" panose="02000503020000020003" pitchFamily="2" charset="0"/>
+              </a:rPr>
+              <a:t>samtools</a:t>
+            </a:r>
+            <a:endParaRPr lang="en-US" b="1" dirty="0">
+              <a:latin typeface="Avenir Book" panose="02000503020000020003" pitchFamily="2" charset="0"/>
+            </a:endParaRPr>
+          </a:p>
+        </p:txBody>
+      </p:sp>
+      <p:sp>
+        <p:nvSpPr>
+          <p:cNvPr id="28" name="TextBox 27">
+            <a:extLst>
+              <a:ext uri="{FF2B5EF4-FFF2-40B4-BE49-F238E27FC236}">
+                <a16:creationId xmlns:a16="http://schemas.microsoft.com/office/drawing/2014/main" id="{DDC03E74-9868-4175-7CA8-314E0E07C502}"/>
+              </a:ext>
+            </a:extLst>
+          </p:cNvPr>
+          <p:cNvSpPr txBox="1"/>
+          <p:nvPr/>
+        </p:nvSpPr>
+        <p:spPr>
+          <a:xfrm>
+            <a:off x="6209628" y="1281005"/>
+            <a:ext cx="1152000" cy="408623"/>
+          </a:xfrm>
+          <a:prstGeom prst="roundRect">
+            <a:avLst/>
+          </a:prstGeom>
+          <a:noFill/>
+          <a:ln>
+            <a:solidFill>
+              <a:srgbClr val="075353"/>
+            </a:solidFill>
+          </a:ln>
+        </p:spPr>
+        <p:txBody>
+          <a:bodyPr wrap="square" rtlCol="0">
+            <a:spAutoFit/>
+          </a:bodyPr>
+          <a:lstStyle/>
+          <a:p>
+            <a:pPr algn="ctr"/>
+            <a:r>
+              <a:rPr lang="en-US" b="1" dirty="0" err="1">
+                <a:latin typeface="Avenir Book" panose="02000503020000020003" pitchFamily="2" charset="0"/>
+              </a:rPr>
+              <a:t>checkv</a:t>
+            </a:r>
+            <a:endParaRPr lang="en-US" b="1" dirty="0">
+              <a:latin typeface="Avenir Book" panose="02000503020000020003" pitchFamily="2" charset="0"/>
+            </a:endParaRPr>
+          </a:p>
+        </p:txBody>
+      </p:sp>
+      <p:sp>
+        <p:nvSpPr>
+          <p:cNvPr id="29" name="TextBox 28">
+            <a:extLst>
+              <a:ext uri="{FF2B5EF4-FFF2-40B4-BE49-F238E27FC236}">
+                <a16:creationId xmlns:a16="http://schemas.microsoft.com/office/drawing/2014/main" id="{7446890D-69DD-6F97-108D-D02AF06A13A2}"/>
+              </a:ext>
+            </a:extLst>
+          </p:cNvPr>
+          <p:cNvSpPr txBox="1"/>
+          <p:nvPr/>
+        </p:nvSpPr>
+        <p:spPr>
+          <a:xfrm>
+            <a:off x="5686821" y="3121931"/>
+            <a:ext cx="1037637" cy="408623"/>
+          </a:xfrm>
+          <a:prstGeom prst="roundRect">
+            <a:avLst/>
+          </a:prstGeom>
+          <a:noFill/>
+          <a:ln>
+            <a:solidFill>
+              <a:srgbClr val="075353"/>
+            </a:solidFill>
+          </a:ln>
+        </p:spPr>
+        <p:txBody>
+          <a:bodyPr wrap="none" rtlCol="0">
+            <a:spAutoFit/>
+          </a:bodyPr>
+          <a:lstStyle/>
+          <a:p>
+            <a:r>
+              <a:rPr lang="en-US" b="1" dirty="0" err="1">
+                <a:latin typeface="Avenir Book" panose="02000503020000020003" pitchFamily="2" charset="0"/>
+              </a:rPr>
+              <a:t>checkm</a:t>
+            </a:r>
+            <a:endParaRPr lang="en-US" b="1" dirty="0">
+              <a:latin typeface="Avenir Book" panose="02000503020000020003" pitchFamily="2" charset="0"/>
+            </a:endParaRPr>
+          </a:p>
+        </p:txBody>
+      </p:sp>
+      <p:sp>
+        <p:nvSpPr>
+          <p:cNvPr id="30" name="TextBox 29">
+            <a:extLst>
+              <a:ext uri="{FF2B5EF4-FFF2-40B4-BE49-F238E27FC236}">
+                <a16:creationId xmlns:a16="http://schemas.microsoft.com/office/drawing/2014/main" id="{2832C0B8-D63D-CB9D-E514-4EF45720D9C3}"/>
+              </a:ext>
+            </a:extLst>
+          </p:cNvPr>
+          <p:cNvSpPr txBox="1"/>
+          <p:nvPr/>
+        </p:nvSpPr>
+        <p:spPr>
+          <a:xfrm>
+            <a:off x="4874639" y="1281005"/>
+            <a:ext cx="1154989" cy="408623"/>
+          </a:xfrm>
+          <a:prstGeom prst="roundRect">
+            <a:avLst/>
+          </a:prstGeom>
+          <a:noFill/>
+          <a:ln>
+            <a:solidFill>
+              <a:srgbClr val="075353"/>
+            </a:solidFill>
+          </a:ln>
+        </p:spPr>
+        <p:txBody>
+          <a:bodyPr wrap="none" rtlCol="0">
+            <a:spAutoFit/>
+          </a:bodyPr>
+          <a:lstStyle/>
+          <a:p>
+            <a:r>
+              <a:rPr lang="en-US" b="1" dirty="0" err="1">
+                <a:latin typeface="Avenir Book" panose="02000503020000020003" pitchFamily="2" charset="0"/>
+              </a:rPr>
+              <a:t>plasclass</a:t>
+            </a:r>
+            <a:endParaRPr lang="en-US" b="1" dirty="0">
+              <a:latin typeface="Avenir Book" panose="02000503020000020003" pitchFamily="2" charset="0"/>
+            </a:endParaRPr>
+          </a:p>
+        </p:txBody>
+      </p:sp>
+      <p:sp>
+        <p:nvSpPr>
+          <p:cNvPr id="31" name="TextBox 30">
+            <a:extLst>
+              <a:ext uri="{FF2B5EF4-FFF2-40B4-BE49-F238E27FC236}">
+                <a16:creationId xmlns:a16="http://schemas.microsoft.com/office/drawing/2014/main" id="{A10D0E78-6085-064E-1FE4-4DD6176E5A01}"/>
+              </a:ext>
+            </a:extLst>
+          </p:cNvPr>
+          <p:cNvSpPr txBox="1"/>
+          <p:nvPr/>
+        </p:nvSpPr>
+        <p:spPr>
+          <a:xfrm>
+            <a:off x="7962150" y="2805908"/>
+            <a:ext cx="940068" cy="408623"/>
+          </a:xfrm>
+          <a:prstGeom prst="roundRect">
+            <a:avLst/>
+          </a:prstGeom>
+          <a:noFill/>
+          <a:ln>
+            <a:solidFill>
+              <a:srgbClr val="075353"/>
+            </a:solidFill>
+          </a:ln>
+        </p:spPr>
+        <p:txBody>
+          <a:bodyPr wrap="none" rtlCol="0">
+            <a:spAutoFit/>
+          </a:bodyPr>
+          <a:lstStyle/>
+          <a:p>
+            <a:r>
+              <a:rPr lang="en-US" b="1" dirty="0" err="1">
+                <a:latin typeface="Avenir Book" panose="02000503020000020003" pitchFamily="2" charset="0"/>
+              </a:rPr>
+              <a:t>prokka</a:t>
+            </a:r>
+            <a:endParaRPr lang="en-US" b="1" dirty="0">
+              <a:latin typeface="Avenir Book" panose="02000503020000020003" pitchFamily="2" charset="0"/>
+            </a:endParaRPr>
+          </a:p>
+        </p:txBody>
+      </p:sp>
+      <p:sp>
+        <p:nvSpPr>
+          <p:cNvPr id="32" name="TextBox 31">
+            <a:extLst>
+              <a:ext uri="{FF2B5EF4-FFF2-40B4-BE49-F238E27FC236}">
+                <a16:creationId xmlns:a16="http://schemas.microsoft.com/office/drawing/2014/main" id="{857A03DB-5861-7E87-2974-3B1A537975D0}"/>
+              </a:ext>
+            </a:extLst>
+          </p:cNvPr>
+          <p:cNvSpPr txBox="1"/>
+          <p:nvPr/>
+        </p:nvSpPr>
+        <p:spPr>
+          <a:xfrm>
+            <a:off x="8432124" y="278418"/>
+            <a:ext cx="1196886" cy="408623"/>
+          </a:xfrm>
+          <a:prstGeom prst="roundRect">
+            <a:avLst/>
+          </a:prstGeom>
+          <a:noFill/>
+          <a:ln>
+            <a:solidFill>
+              <a:srgbClr val="075353"/>
+            </a:solidFill>
+          </a:ln>
+        </p:spPr>
+        <p:txBody>
+          <a:bodyPr wrap="none" rtlCol="0">
+            <a:spAutoFit/>
+          </a:bodyPr>
+          <a:lstStyle/>
+          <a:p>
+            <a:r>
+              <a:rPr lang="en-US" b="1" dirty="0" err="1">
+                <a:latin typeface="Avenir Book" panose="02000503020000020003" pitchFamily="2" charset="0"/>
+              </a:rPr>
+              <a:t>pharokka</a:t>
+            </a:r>
+            <a:endParaRPr lang="en-US" b="1" dirty="0">
+              <a:latin typeface="Avenir Book" panose="02000503020000020003" pitchFamily="2" charset="0"/>
+            </a:endParaRPr>
+          </a:p>
+        </p:txBody>
+      </p:sp>
+      <p:sp>
+        <p:nvSpPr>
+          <p:cNvPr id="68" name="TextBox 67">
+            <a:extLst>
+              <a:ext uri="{FF2B5EF4-FFF2-40B4-BE49-F238E27FC236}">
+                <a16:creationId xmlns:a16="http://schemas.microsoft.com/office/drawing/2014/main" id="{ED704072-E1CA-FF21-F48D-867D8CA55C86}"/>
+              </a:ext>
+            </a:extLst>
+          </p:cNvPr>
+          <p:cNvSpPr txBox="1"/>
+          <p:nvPr/>
+        </p:nvSpPr>
+        <p:spPr>
+          <a:xfrm>
+            <a:off x="8502671" y="1691227"/>
+            <a:ext cx="940068" cy="408623"/>
+          </a:xfrm>
+          <a:prstGeom prst="roundRect">
+            <a:avLst/>
+          </a:prstGeom>
+          <a:noFill/>
+          <a:ln>
+            <a:solidFill>
+              <a:srgbClr val="075353"/>
+            </a:solidFill>
+          </a:ln>
+        </p:spPr>
+        <p:txBody>
+          <a:bodyPr wrap="none" rtlCol="0">
+            <a:spAutoFit/>
+          </a:bodyPr>
+          <a:lstStyle/>
+          <a:p>
+            <a:r>
+              <a:rPr lang="en-US" b="1" dirty="0" err="1">
+                <a:latin typeface="Avenir Book" panose="02000503020000020003" pitchFamily="2" charset="0"/>
+              </a:rPr>
+              <a:t>prokka</a:t>
+            </a:r>
+            <a:endParaRPr lang="en-US" b="1" dirty="0">
+              <a:latin typeface="Avenir Book" panose="02000503020000020003" pitchFamily="2" charset="0"/>
+            </a:endParaRPr>
+          </a:p>
+        </p:txBody>
+      </p:sp>
+      <p:cxnSp>
+        <p:nvCxnSpPr>
+          <p:cNvPr id="70" name="Straight Connector 69">
+            <a:extLst>
+              <a:ext uri="{FF2B5EF4-FFF2-40B4-BE49-F238E27FC236}">
+                <a16:creationId xmlns:a16="http://schemas.microsoft.com/office/drawing/2014/main" id="{E48C6509-92AD-8A85-715E-9A366E6FA5A8}"/>
+              </a:ext>
+            </a:extLst>
+          </p:cNvPr>
+          <p:cNvCxnSpPr>
+            <a:cxnSpLocks/>
+            <a:stCxn id="17" idx="4"/>
+            <a:endCxn id="22" idx="0"/>
+          </p:cNvCxnSpPr>
+          <p:nvPr/>
+        </p:nvCxnSpPr>
+        <p:spPr>
+          <a:xfrm>
+            <a:off x="2899525" y="2641723"/>
+            <a:ext cx="2202" cy="135722"/>
+          </a:xfrm>
+          <a:prstGeom prst="line">
+            <a:avLst/>
+          </a:prstGeom>
+          <a:ln>
+            <a:solidFill>
+              <a:srgbClr val="075353"/>
+            </a:solidFill>
+          </a:ln>
+        </p:spPr>
+        <p:style>
+          <a:lnRef idx="1">
+            <a:schemeClr val="accent1"/>
+          </a:lnRef>
+          <a:fillRef idx="0">
+            <a:schemeClr val="accent1"/>
+          </a:fillRef>
+          <a:effectRef idx="0">
+            <a:schemeClr val="accent1"/>
+          </a:effectRef>
+          <a:fontRef idx="minor">
+            <a:schemeClr val="tx1"/>
+          </a:fontRef>
+        </p:style>
+      </p:cxnSp>
+      <p:cxnSp>
+        <p:nvCxnSpPr>
+          <p:cNvPr id="76" name="Straight Connector 75">
+            <a:extLst>
+              <a:ext uri="{FF2B5EF4-FFF2-40B4-BE49-F238E27FC236}">
+                <a16:creationId xmlns:a16="http://schemas.microsoft.com/office/drawing/2014/main" id="{923BF8A0-7520-7D5B-C2B1-3442B0A69922}"/>
+              </a:ext>
+            </a:extLst>
+          </p:cNvPr>
+          <p:cNvCxnSpPr>
+            <a:cxnSpLocks/>
+            <a:stCxn id="23" idx="2"/>
+            <a:endCxn id="60" idx="0"/>
+          </p:cNvCxnSpPr>
+          <p:nvPr/>
+        </p:nvCxnSpPr>
+        <p:spPr>
+          <a:xfrm flipH="1">
+            <a:off x="3998306" y="2179173"/>
+            <a:ext cx="3209" cy="174550"/>
+          </a:xfrm>
+          <a:prstGeom prst="line">
+            <a:avLst/>
+          </a:prstGeom>
+          <a:ln>
+            <a:solidFill>
+              <a:srgbClr val="075353"/>
+            </a:solidFill>
+          </a:ln>
+        </p:spPr>
+        <p:style>
+          <a:lnRef idx="1">
+            <a:schemeClr val="accent1"/>
+          </a:lnRef>
+          <a:fillRef idx="0">
+            <a:schemeClr val="accent1"/>
+          </a:fillRef>
+          <a:effectRef idx="0">
+            <a:schemeClr val="accent1"/>
+          </a:effectRef>
+          <a:fontRef idx="minor">
+            <a:schemeClr val="tx1"/>
+          </a:fontRef>
+        </p:style>
+      </p:cxnSp>
+      <p:cxnSp>
+        <p:nvCxnSpPr>
+          <p:cNvPr id="79" name="Straight Connector 78">
+            <a:extLst>
+              <a:ext uri="{FF2B5EF4-FFF2-40B4-BE49-F238E27FC236}">
+                <a16:creationId xmlns:a16="http://schemas.microsoft.com/office/drawing/2014/main" id="{081F13AC-EB23-189A-BED2-D26498BF0943}"/>
+              </a:ext>
+            </a:extLst>
+          </p:cNvPr>
+          <p:cNvCxnSpPr>
+            <a:cxnSpLocks/>
+            <a:stCxn id="61" idx="4"/>
+            <a:endCxn id="24" idx="0"/>
+          </p:cNvCxnSpPr>
+          <p:nvPr/>
+        </p:nvCxnSpPr>
+        <p:spPr>
+          <a:xfrm flipH="1">
+            <a:off x="5093720" y="2641723"/>
+            <a:ext cx="3367" cy="75192"/>
+          </a:xfrm>
+          <a:prstGeom prst="line">
+            <a:avLst/>
+          </a:prstGeom>
+          <a:ln>
+            <a:solidFill>
+              <a:srgbClr val="075353"/>
+            </a:solidFill>
+          </a:ln>
+        </p:spPr>
+        <p:style>
+          <a:lnRef idx="1">
+            <a:schemeClr val="accent1"/>
+          </a:lnRef>
+          <a:fillRef idx="0">
+            <a:schemeClr val="accent1"/>
+          </a:fillRef>
+          <a:effectRef idx="0">
+            <a:schemeClr val="accent1"/>
+          </a:effectRef>
+          <a:fontRef idx="minor">
+            <a:schemeClr val="tx1"/>
+          </a:fontRef>
+        </p:style>
+      </p:cxnSp>
+      <p:cxnSp>
+        <p:nvCxnSpPr>
+          <p:cNvPr id="83" name="Straight Connector 82">
+            <a:extLst>
+              <a:ext uri="{FF2B5EF4-FFF2-40B4-BE49-F238E27FC236}">
+                <a16:creationId xmlns:a16="http://schemas.microsoft.com/office/drawing/2014/main" id="{AF50CF27-96EF-D98C-50D8-BA6B629F65AE}"/>
+              </a:ext>
+            </a:extLst>
+          </p:cNvPr>
+          <p:cNvCxnSpPr>
+            <a:cxnSpLocks/>
+            <a:stCxn id="63" idx="4"/>
+            <a:endCxn id="29" idx="0"/>
+          </p:cNvCxnSpPr>
+          <p:nvPr/>
+        </p:nvCxnSpPr>
+        <p:spPr>
+          <a:xfrm>
+            <a:off x="6195868" y="2641723"/>
+            <a:ext cx="9772" cy="480208"/>
+          </a:xfrm>
+          <a:prstGeom prst="line">
+            <a:avLst/>
+          </a:prstGeom>
+          <a:ln>
+            <a:solidFill>
+              <a:srgbClr val="075353"/>
+            </a:solidFill>
+          </a:ln>
+        </p:spPr>
+        <p:style>
+          <a:lnRef idx="1">
+            <a:schemeClr val="accent1"/>
+          </a:lnRef>
+          <a:fillRef idx="0">
+            <a:schemeClr val="accent1"/>
+          </a:fillRef>
+          <a:effectRef idx="0">
+            <a:schemeClr val="accent1"/>
+          </a:effectRef>
+          <a:fontRef idx="minor">
+            <a:schemeClr val="tx1"/>
+          </a:fontRef>
+        </p:style>
+      </p:cxnSp>
+      <p:cxnSp>
+        <p:nvCxnSpPr>
+          <p:cNvPr id="86" name="Straight Connector 85">
+            <a:extLst>
+              <a:ext uri="{FF2B5EF4-FFF2-40B4-BE49-F238E27FC236}">
+                <a16:creationId xmlns:a16="http://schemas.microsoft.com/office/drawing/2014/main" id="{4F8C90E1-27DC-25E4-3CD4-6320715517DE}"/>
+              </a:ext>
+            </a:extLst>
+          </p:cNvPr>
+          <p:cNvCxnSpPr>
+            <a:cxnSpLocks/>
+            <a:stCxn id="30" idx="2"/>
+            <a:endCxn id="63" idx="1"/>
+          </p:cNvCxnSpPr>
+          <p:nvPr/>
+        </p:nvCxnSpPr>
+        <p:spPr>
+          <a:xfrm>
+            <a:off x="5452134" y="1689628"/>
+            <a:ext cx="641103" cy="706272"/>
+          </a:xfrm>
+          <a:prstGeom prst="line">
+            <a:avLst/>
+          </a:prstGeom>
+          <a:ln>
+            <a:solidFill>
+              <a:srgbClr val="075353"/>
+            </a:solidFill>
+          </a:ln>
+        </p:spPr>
+        <p:style>
+          <a:lnRef idx="1">
+            <a:schemeClr val="accent1"/>
+          </a:lnRef>
+          <a:fillRef idx="0">
+            <a:schemeClr val="accent1"/>
+          </a:fillRef>
+          <a:effectRef idx="0">
+            <a:schemeClr val="accent1"/>
+          </a:effectRef>
+          <a:fontRef idx="minor">
+            <a:schemeClr val="tx1"/>
+          </a:fontRef>
+        </p:style>
+      </p:cxnSp>
+      <p:cxnSp>
+        <p:nvCxnSpPr>
+          <p:cNvPr id="92" name="Straight Connector 91">
+            <a:extLst>
+              <a:ext uri="{FF2B5EF4-FFF2-40B4-BE49-F238E27FC236}">
+                <a16:creationId xmlns:a16="http://schemas.microsoft.com/office/drawing/2014/main" id="{EAB0181F-5023-E277-632A-79730F6C43D6}"/>
+              </a:ext>
+            </a:extLst>
+          </p:cNvPr>
+          <p:cNvCxnSpPr>
+            <a:cxnSpLocks/>
+            <a:stCxn id="32" idx="2"/>
+            <a:endCxn id="95" idx="0"/>
+          </p:cNvCxnSpPr>
+          <p:nvPr/>
+        </p:nvCxnSpPr>
+        <p:spPr>
+          <a:xfrm flipH="1">
+            <a:off x="9026717" y="687041"/>
+            <a:ext cx="3850" cy="249200"/>
+          </a:xfrm>
+          <a:prstGeom prst="line">
+            <a:avLst/>
+          </a:prstGeom>
+          <a:ln>
+            <a:solidFill>
+              <a:srgbClr val="075353"/>
+            </a:solidFill>
+          </a:ln>
+        </p:spPr>
+        <p:style>
+          <a:lnRef idx="1">
+            <a:schemeClr val="accent1"/>
+          </a:lnRef>
+          <a:fillRef idx="0">
+            <a:schemeClr val="accent1"/>
+          </a:fillRef>
+          <a:effectRef idx="0">
+            <a:schemeClr val="accent1"/>
+          </a:effectRef>
+          <a:fontRef idx="minor">
+            <a:schemeClr val="tx1"/>
+          </a:fontRef>
+        </p:style>
+      </p:cxnSp>
+      <p:cxnSp>
+        <p:nvCxnSpPr>
+          <p:cNvPr id="100" name="Straight Connector 99">
+            <a:extLst>
+              <a:ext uri="{FF2B5EF4-FFF2-40B4-BE49-F238E27FC236}">
+                <a16:creationId xmlns:a16="http://schemas.microsoft.com/office/drawing/2014/main" id="{B7410D5F-F9FB-8D13-1154-B1A690B69A50}"/>
+              </a:ext>
+            </a:extLst>
+          </p:cNvPr>
+          <p:cNvCxnSpPr>
+            <a:cxnSpLocks/>
+            <a:stCxn id="68" idx="2"/>
+            <a:endCxn id="98" idx="0"/>
+          </p:cNvCxnSpPr>
+          <p:nvPr/>
+        </p:nvCxnSpPr>
+        <p:spPr>
+          <a:xfrm>
+            <a:off x="8972705" y="2099850"/>
+            <a:ext cx="6453" cy="226300"/>
+          </a:xfrm>
+          <a:prstGeom prst="line">
+            <a:avLst/>
+          </a:prstGeom>
+          <a:ln>
+            <a:solidFill>
+              <a:srgbClr val="075353"/>
+            </a:solidFill>
+          </a:ln>
+        </p:spPr>
+        <p:style>
+          <a:lnRef idx="1">
+            <a:schemeClr val="accent1"/>
+          </a:lnRef>
+          <a:fillRef idx="0">
+            <a:schemeClr val="accent1"/>
+          </a:fillRef>
+          <a:effectRef idx="0">
+            <a:schemeClr val="accent1"/>
+          </a:effectRef>
+          <a:fontRef idx="minor">
+            <a:schemeClr val="tx1"/>
+          </a:fontRef>
+        </p:style>
+      </p:cxnSp>
+      <p:cxnSp>
+        <p:nvCxnSpPr>
+          <p:cNvPr id="103" name="Straight Connector 102">
+            <a:extLst>
+              <a:ext uri="{FF2B5EF4-FFF2-40B4-BE49-F238E27FC236}">
+                <a16:creationId xmlns:a16="http://schemas.microsoft.com/office/drawing/2014/main" id="{BB940D44-0DAE-5C67-BC1F-1BF800A80ED3}"/>
+              </a:ext>
+            </a:extLst>
+          </p:cNvPr>
+          <p:cNvCxnSpPr>
+            <a:cxnSpLocks/>
+            <a:stCxn id="99" idx="4"/>
+            <a:endCxn id="31" idx="2"/>
+          </p:cNvCxnSpPr>
+          <p:nvPr/>
+        </p:nvCxnSpPr>
+        <p:spPr>
+          <a:xfrm flipH="1" flipV="1">
+            <a:off x="8432184" y="3214531"/>
+            <a:ext cx="69028" cy="771473"/>
+          </a:xfrm>
+          <a:prstGeom prst="line">
+            <a:avLst/>
+          </a:prstGeom>
+          <a:ln>
+            <a:solidFill>
+              <a:srgbClr val="075353"/>
+            </a:solidFill>
+          </a:ln>
+        </p:spPr>
+        <p:style>
+          <a:lnRef idx="1">
+            <a:schemeClr val="accent1"/>
+          </a:lnRef>
+          <a:fillRef idx="0">
+            <a:schemeClr val="accent1"/>
+          </a:fillRef>
+          <a:effectRef idx="0">
+            <a:schemeClr val="accent1"/>
+          </a:effectRef>
+          <a:fontRef idx="minor">
+            <a:schemeClr val="tx1"/>
+          </a:fontRef>
+        </p:style>
+      </p:cxnSp>
+      <p:cxnSp>
+        <p:nvCxnSpPr>
+          <p:cNvPr id="122" name="Straight Connector 121">
+            <a:extLst>
+              <a:ext uri="{FF2B5EF4-FFF2-40B4-BE49-F238E27FC236}">
+                <a16:creationId xmlns:a16="http://schemas.microsoft.com/office/drawing/2014/main" id="{BF2F34FC-990A-20DB-C1D7-7C0F9B786304}"/>
+              </a:ext>
+            </a:extLst>
+          </p:cNvPr>
+          <p:cNvCxnSpPr>
+            <a:cxnSpLocks/>
+            <a:stCxn id="17" idx="6"/>
+            <a:endCxn id="60" idx="2"/>
+          </p:cNvCxnSpPr>
+          <p:nvPr/>
+        </p:nvCxnSpPr>
+        <p:spPr>
+          <a:xfrm>
+            <a:off x="3044667" y="2497723"/>
+            <a:ext cx="808497" cy="0"/>
+          </a:xfrm>
+          <a:prstGeom prst="line">
+            <a:avLst/>
+          </a:prstGeom>
+          <a:ln w="88900" cap="rnd">
+            <a:solidFill>
+              <a:srgbClr val="008080"/>
+            </a:solidFill>
+            <a:round/>
+          </a:ln>
+        </p:spPr>
+        <p:style>
+          <a:lnRef idx="1">
+            <a:schemeClr val="accent1"/>
+          </a:lnRef>
+          <a:fillRef idx="0">
+            <a:schemeClr val="accent1"/>
+          </a:fillRef>
+          <a:effectRef idx="0">
+            <a:schemeClr val="accent1"/>
+          </a:effectRef>
+          <a:fontRef idx="minor">
+            <a:schemeClr val="tx1"/>
+          </a:fontRef>
+        </p:style>
+      </p:cxnSp>
+      <p:cxnSp>
+        <p:nvCxnSpPr>
+          <p:cNvPr id="127" name="Straight Connector 126">
+            <a:extLst>
+              <a:ext uri="{FF2B5EF4-FFF2-40B4-BE49-F238E27FC236}">
+                <a16:creationId xmlns:a16="http://schemas.microsoft.com/office/drawing/2014/main" id="{0271A247-34D5-8D7F-6F54-239EACE6FFB4}"/>
+              </a:ext>
+            </a:extLst>
+          </p:cNvPr>
+          <p:cNvCxnSpPr>
+            <a:cxnSpLocks/>
+            <a:stCxn id="60" idx="6"/>
+            <a:endCxn id="61" idx="2"/>
+          </p:cNvCxnSpPr>
+          <p:nvPr/>
+        </p:nvCxnSpPr>
+        <p:spPr>
+          <a:xfrm>
+            <a:off x="4143448" y="2497723"/>
+            <a:ext cx="808497" cy="0"/>
+          </a:xfrm>
+          <a:prstGeom prst="line">
+            <a:avLst/>
+          </a:prstGeom>
+          <a:ln w="88900" cap="rnd">
+            <a:solidFill>
+              <a:srgbClr val="008080"/>
+            </a:solidFill>
+            <a:round/>
+          </a:ln>
+        </p:spPr>
+        <p:style>
+          <a:lnRef idx="1">
+            <a:schemeClr val="accent1"/>
+          </a:lnRef>
+          <a:fillRef idx="0">
+            <a:schemeClr val="accent1"/>
+          </a:fillRef>
+          <a:effectRef idx="0">
+            <a:schemeClr val="accent1"/>
+          </a:effectRef>
+          <a:fontRef idx="minor">
+            <a:schemeClr val="tx1"/>
+          </a:fontRef>
+        </p:style>
+      </p:cxnSp>
+      <p:cxnSp>
+        <p:nvCxnSpPr>
+          <p:cNvPr id="130" name="Straight Connector 129">
+            <a:extLst>
+              <a:ext uri="{FF2B5EF4-FFF2-40B4-BE49-F238E27FC236}">
+                <a16:creationId xmlns:a16="http://schemas.microsoft.com/office/drawing/2014/main" id="{64EC86DA-61F4-F8F0-44BC-840187E674F9}"/>
+              </a:ext>
+            </a:extLst>
+          </p:cNvPr>
+          <p:cNvCxnSpPr>
+            <a:cxnSpLocks/>
+            <a:stCxn id="61" idx="6"/>
+            <a:endCxn id="63" idx="2"/>
+          </p:cNvCxnSpPr>
+          <p:nvPr/>
+        </p:nvCxnSpPr>
+        <p:spPr>
+          <a:xfrm>
+            <a:off x="5242229" y="2497723"/>
+            <a:ext cx="808497" cy="0"/>
+          </a:xfrm>
+          <a:prstGeom prst="line">
+            <a:avLst/>
+          </a:prstGeom>
+          <a:ln w="88900" cap="rnd">
+            <a:solidFill>
+              <a:srgbClr val="008080"/>
+            </a:solidFill>
+            <a:round/>
+          </a:ln>
+        </p:spPr>
+        <p:style>
+          <a:lnRef idx="1">
+            <a:schemeClr val="accent1"/>
+          </a:lnRef>
+          <a:fillRef idx="0">
+            <a:schemeClr val="accent1"/>
+          </a:fillRef>
+          <a:effectRef idx="0">
+            <a:schemeClr val="accent1"/>
+          </a:effectRef>
+          <a:fontRef idx="minor">
+            <a:schemeClr val="tx1"/>
+          </a:fontRef>
+        </p:style>
+      </p:cxnSp>
+      <p:cxnSp>
+        <p:nvCxnSpPr>
+          <p:cNvPr id="133" name="Straight Connector 132">
+            <a:extLst>
+              <a:ext uri="{FF2B5EF4-FFF2-40B4-BE49-F238E27FC236}">
+                <a16:creationId xmlns:a16="http://schemas.microsoft.com/office/drawing/2014/main" id="{88F49940-CAC9-8397-A969-5E6EFB05CF05}"/>
+              </a:ext>
+            </a:extLst>
+          </p:cNvPr>
+          <p:cNvCxnSpPr>
+            <a:cxnSpLocks/>
+            <a:stCxn id="63" idx="6"/>
+            <a:endCxn id="65" idx="2"/>
+          </p:cNvCxnSpPr>
+          <p:nvPr/>
+        </p:nvCxnSpPr>
+        <p:spPr>
+          <a:xfrm>
+            <a:off x="6341010" y="2497723"/>
+            <a:ext cx="867713" cy="0"/>
+          </a:xfrm>
+          <a:prstGeom prst="line">
+            <a:avLst/>
+          </a:prstGeom>
+          <a:ln w="88900" cap="rnd">
+            <a:solidFill>
+              <a:srgbClr val="008080"/>
+            </a:solidFill>
+            <a:round/>
+          </a:ln>
+        </p:spPr>
+        <p:style>
+          <a:lnRef idx="1">
+            <a:schemeClr val="accent1"/>
+          </a:lnRef>
+          <a:fillRef idx="0">
+            <a:schemeClr val="accent1"/>
+          </a:fillRef>
+          <a:effectRef idx="0">
+            <a:schemeClr val="accent1"/>
+          </a:effectRef>
+          <a:fontRef idx="minor">
+            <a:schemeClr val="tx1"/>
+          </a:fontRef>
+        </p:style>
+      </p:cxnSp>
+      <p:sp>
+        <p:nvSpPr>
+          <p:cNvPr id="60" name="Oval 59">
+            <a:extLst>
+              <a:ext uri="{FF2B5EF4-FFF2-40B4-BE49-F238E27FC236}">
+                <a16:creationId xmlns:a16="http://schemas.microsoft.com/office/drawing/2014/main" id="{E1D525EF-9FA4-5B00-58E6-F179D12F1C6B}"/>
+              </a:ext>
+            </a:extLst>
+          </p:cNvPr>
+          <p:cNvSpPr>
+            <a:spLocks noChangeAspect="1"/>
+          </p:cNvSpPr>
+          <p:nvPr/>
+        </p:nvSpPr>
+        <p:spPr>
+          <a:xfrm>
+            <a:off x="3853164" y="2353723"/>
+            <a:ext cx="290284" cy="288000"/>
+          </a:xfrm>
+          <a:prstGeom prst="ellipse">
+            <a:avLst/>
+          </a:prstGeom>
+          <a:solidFill>
+            <a:srgbClr val="075353"/>
+          </a:solidFill>
+          <a:ln>
+            <a:noFill/>
+          </a:ln>
+        </p:spPr>
+        <p:style>
+          <a:lnRef idx="2">
+            <a:schemeClr val="accent1">
+              <a:shade val="15000"/>
+            </a:schemeClr>
+          </a:lnRef>
+          <a:fillRef idx="1">
+            <a:schemeClr val="accent1"/>
+          </a:fillRef>
+          <a:effectRef idx="0">
+            <a:schemeClr val="accent1"/>
+          </a:effectRef>
+          <a:fontRef idx="minor">
+            <a:schemeClr val="lt1"/>
+          </a:fontRef>
+        </p:style>
+        <p:txBody>
+          <a:bodyPr rtlCol="0" anchor="ctr"/>
+          <a:lstStyle/>
+          <a:p>
+            <a:pPr algn="ctr"/>
+            <a:r>
+              <a:rPr lang="en-US" dirty="0"/>
+              <a:t>2</a:t>
+            </a:r>
+          </a:p>
+        </p:txBody>
+      </p:sp>
+      <p:sp>
+        <p:nvSpPr>
+          <p:cNvPr id="61" name="Oval 60">
+            <a:extLst>
+              <a:ext uri="{FF2B5EF4-FFF2-40B4-BE49-F238E27FC236}">
+                <a16:creationId xmlns:a16="http://schemas.microsoft.com/office/drawing/2014/main" id="{A45D9956-CFCF-603B-2B61-3309CD9F5464}"/>
+              </a:ext>
+            </a:extLst>
+          </p:cNvPr>
+          <p:cNvSpPr>
+            <a:spLocks noChangeAspect="1"/>
+          </p:cNvSpPr>
+          <p:nvPr/>
+        </p:nvSpPr>
+        <p:spPr>
+          <a:xfrm>
+            <a:off x="4951945" y="2353723"/>
+            <a:ext cx="290284" cy="288000"/>
+          </a:xfrm>
+          <a:prstGeom prst="ellipse">
+            <a:avLst/>
+          </a:prstGeom>
+          <a:solidFill>
+            <a:srgbClr val="075353"/>
+          </a:solidFill>
+          <a:ln>
+            <a:noFill/>
+          </a:ln>
+        </p:spPr>
+        <p:style>
+          <a:lnRef idx="2">
+            <a:schemeClr val="accent1">
+              <a:shade val="15000"/>
+            </a:schemeClr>
+          </a:lnRef>
+          <a:fillRef idx="1">
+            <a:schemeClr val="accent1"/>
+          </a:fillRef>
+          <a:effectRef idx="0">
+            <a:schemeClr val="accent1"/>
+          </a:effectRef>
+          <a:fontRef idx="minor">
+            <a:schemeClr val="lt1"/>
+          </a:fontRef>
+        </p:style>
+        <p:txBody>
+          <a:bodyPr rtlCol="0" anchor="ctr"/>
+          <a:lstStyle/>
+          <a:p>
+            <a:pPr algn="ctr"/>
+            <a:r>
+              <a:rPr lang="en-US" dirty="0"/>
+              <a:t>3</a:t>
+            </a:r>
+          </a:p>
+        </p:txBody>
+      </p:sp>
+      <p:sp>
+        <p:nvSpPr>
+          <p:cNvPr id="63" name="Oval 62">
+            <a:extLst>
+              <a:ext uri="{FF2B5EF4-FFF2-40B4-BE49-F238E27FC236}">
+                <a16:creationId xmlns:a16="http://schemas.microsoft.com/office/drawing/2014/main" id="{5DD5E9CD-C9A6-4437-2491-75BDD69379A4}"/>
+              </a:ext>
+            </a:extLst>
+          </p:cNvPr>
+          <p:cNvSpPr>
+            <a:spLocks noChangeAspect="1"/>
+          </p:cNvSpPr>
+          <p:nvPr/>
+        </p:nvSpPr>
+        <p:spPr>
+          <a:xfrm>
+            <a:off x="6050726" y="2353723"/>
+            <a:ext cx="290284" cy="288000"/>
+          </a:xfrm>
+          <a:prstGeom prst="ellipse">
+            <a:avLst/>
+          </a:prstGeom>
+          <a:solidFill>
+            <a:srgbClr val="075353"/>
+          </a:solidFill>
+          <a:ln>
+            <a:noFill/>
+          </a:ln>
+        </p:spPr>
+        <p:style>
+          <a:lnRef idx="2">
+            <a:schemeClr val="accent1">
+              <a:shade val="15000"/>
+            </a:schemeClr>
+          </a:lnRef>
+          <a:fillRef idx="1">
+            <a:schemeClr val="accent1"/>
+          </a:fillRef>
+          <a:effectRef idx="0">
+            <a:schemeClr val="accent1"/>
+          </a:effectRef>
+          <a:fontRef idx="minor">
+            <a:schemeClr val="lt1"/>
+          </a:fontRef>
+        </p:style>
+        <p:txBody>
+          <a:bodyPr rtlCol="0" anchor="ctr"/>
+          <a:lstStyle/>
+          <a:p>
+            <a:pPr algn="ctr"/>
+            <a:r>
+              <a:rPr lang="en-US" dirty="0"/>
+              <a:t>4</a:t>
+            </a:r>
+          </a:p>
+        </p:txBody>
+      </p:sp>
+      <p:cxnSp>
+        <p:nvCxnSpPr>
+          <p:cNvPr id="136" name="Straight Connector 135">
+            <a:extLst>
+              <a:ext uri="{FF2B5EF4-FFF2-40B4-BE49-F238E27FC236}">
+                <a16:creationId xmlns:a16="http://schemas.microsoft.com/office/drawing/2014/main" id="{55090587-F6AB-6277-D7EE-9A4868E3649E}"/>
+              </a:ext>
+            </a:extLst>
+          </p:cNvPr>
+          <p:cNvCxnSpPr>
+            <a:cxnSpLocks/>
+            <a:stCxn id="65" idx="6"/>
+            <a:endCxn id="95" idx="2"/>
+          </p:cNvCxnSpPr>
+          <p:nvPr/>
+        </p:nvCxnSpPr>
+        <p:spPr>
+          <a:xfrm flipV="1">
+            <a:off x="7499007" y="1080241"/>
+            <a:ext cx="1382568" cy="1417482"/>
+          </a:xfrm>
+          <a:prstGeom prst="line">
+            <a:avLst/>
+          </a:prstGeom>
+          <a:ln w="88900" cap="rnd">
+            <a:solidFill>
+              <a:srgbClr val="00C259"/>
+            </a:solidFill>
+            <a:round/>
+          </a:ln>
+        </p:spPr>
+        <p:style>
+          <a:lnRef idx="1">
+            <a:schemeClr val="accent1"/>
+          </a:lnRef>
+          <a:fillRef idx="0">
+            <a:schemeClr val="accent1"/>
+          </a:fillRef>
+          <a:effectRef idx="0">
+            <a:schemeClr val="accent1"/>
+          </a:effectRef>
+          <a:fontRef idx="minor">
+            <a:schemeClr val="tx1"/>
+          </a:fontRef>
+        </p:style>
+      </p:cxnSp>
+      <p:cxnSp>
+        <p:nvCxnSpPr>
+          <p:cNvPr id="156" name="Straight Connector 155">
+            <a:extLst>
+              <a:ext uri="{FF2B5EF4-FFF2-40B4-BE49-F238E27FC236}">
+                <a16:creationId xmlns:a16="http://schemas.microsoft.com/office/drawing/2014/main" id="{18426F8B-4646-8132-E8CC-454B0E292195}"/>
+              </a:ext>
+            </a:extLst>
+          </p:cNvPr>
+          <p:cNvCxnSpPr>
+            <a:cxnSpLocks/>
+            <a:stCxn id="65" idx="6"/>
+            <a:endCxn id="98" idx="2"/>
+          </p:cNvCxnSpPr>
+          <p:nvPr/>
+        </p:nvCxnSpPr>
+        <p:spPr>
+          <a:xfrm flipV="1">
+            <a:off x="7499007" y="2470150"/>
+            <a:ext cx="1335009" cy="27573"/>
+          </a:xfrm>
+          <a:prstGeom prst="line">
+            <a:avLst/>
+          </a:prstGeom>
+          <a:ln w="88900" cap="rnd">
+            <a:solidFill>
+              <a:srgbClr val="00DBA0"/>
+            </a:solidFill>
+            <a:round/>
+          </a:ln>
+        </p:spPr>
+        <p:style>
+          <a:lnRef idx="1">
+            <a:schemeClr val="accent1"/>
+          </a:lnRef>
+          <a:fillRef idx="0">
+            <a:schemeClr val="accent1"/>
+          </a:fillRef>
+          <a:effectRef idx="0">
+            <a:schemeClr val="accent1"/>
+          </a:effectRef>
+          <a:fontRef idx="minor">
+            <a:schemeClr val="tx1"/>
+          </a:fontRef>
+        </p:style>
+      </p:cxnSp>
+      <p:cxnSp>
+        <p:nvCxnSpPr>
+          <p:cNvPr id="160" name="Straight Connector 159">
+            <a:extLst>
+              <a:ext uri="{FF2B5EF4-FFF2-40B4-BE49-F238E27FC236}">
+                <a16:creationId xmlns:a16="http://schemas.microsoft.com/office/drawing/2014/main" id="{B4FD4A5B-2E84-EFC1-6915-5E8DB56655EF}"/>
+              </a:ext>
+            </a:extLst>
+          </p:cNvPr>
+          <p:cNvCxnSpPr>
+            <a:cxnSpLocks/>
+          </p:cNvCxnSpPr>
+          <p:nvPr/>
+        </p:nvCxnSpPr>
+        <p:spPr>
+          <a:xfrm>
+            <a:off x="7288279" y="2455952"/>
+            <a:ext cx="720887" cy="1405477"/>
+          </a:xfrm>
+          <a:prstGeom prst="line">
+            <a:avLst/>
+          </a:prstGeom>
+          <a:ln w="88900" cap="rnd">
+            <a:solidFill>
+              <a:srgbClr val="00C0C0"/>
+            </a:solidFill>
+            <a:round/>
+          </a:ln>
+        </p:spPr>
+        <p:style>
+          <a:lnRef idx="1">
+            <a:schemeClr val="accent1"/>
+          </a:lnRef>
+          <a:fillRef idx="0">
+            <a:schemeClr val="accent1"/>
+          </a:fillRef>
+          <a:effectRef idx="0">
+            <a:schemeClr val="accent1"/>
+          </a:effectRef>
+          <a:fontRef idx="minor">
+            <a:schemeClr val="tx1"/>
+          </a:fontRef>
+        </p:style>
+      </p:cxnSp>
+      <p:sp>
+        <p:nvSpPr>
+          <p:cNvPr id="65" name="Oval 64">
+            <a:extLst>
+              <a:ext uri="{FF2B5EF4-FFF2-40B4-BE49-F238E27FC236}">
+                <a16:creationId xmlns:a16="http://schemas.microsoft.com/office/drawing/2014/main" id="{633089A2-C7F7-1CB0-F7A0-AF65F68E3B96}"/>
+              </a:ext>
+            </a:extLst>
+          </p:cNvPr>
+          <p:cNvSpPr>
+            <a:spLocks noChangeAspect="1"/>
+          </p:cNvSpPr>
+          <p:nvPr/>
+        </p:nvSpPr>
+        <p:spPr>
+          <a:xfrm>
+            <a:off x="7208723" y="2353723"/>
+            <a:ext cx="290284" cy="288000"/>
+          </a:xfrm>
+          <a:prstGeom prst="ellipse">
+            <a:avLst/>
+          </a:prstGeom>
+          <a:solidFill>
+            <a:srgbClr val="075353"/>
+          </a:solidFill>
+          <a:ln>
+            <a:noFill/>
+          </a:ln>
+        </p:spPr>
+        <p:style>
+          <a:lnRef idx="2">
+            <a:schemeClr val="accent1">
+              <a:shade val="15000"/>
+            </a:schemeClr>
+          </a:lnRef>
+          <a:fillRef idx="1">
+            <a:schemeClr val="accent1"/>
+          </a:fillRef>
+          <a:effectRef idx="0">
+            <a:schemeClr val="accent1"/>
+          </a:effectRef>
+          <a:fontRef idx="minor">
+            <a:schemeClr val="lt1"/>
+          </a:fontRef>
+        </p:style>
+        <p:txBody>
+          <a:bodyPr rtlCol="0" anchor="ctr"/>
+          <a:lstStyle/>
+          <a:p>
+            <a:pPr algn="ctr"/>
+            <a:r>
+              <a:rPr lang="en-US" dirty="0"/>
+              <a:t>8</a:t>
+            </a:r>
+          </a:p>
+        </p:txBody>
+      </p:sp>
+      <p:cxnSp>
+        <p:nvCxnSpPr>
+          <p:cNvPr id="213" name="Straight Connector 212">
+            <a:extLst>
+              <a:ext uri="{FF2B5EF4-FFF2-40B4-BE49-F238E27FC236}">
+                <a16:creationId xmlns:a16="http://schemas.microsoft.com/office/drawing/2014/main" id="{5473EE41-DC33-94F6-ABE1-B90DA3B8A649}"/>
+              </a:ext>
+            </a:extLst>
+          </p:cNvPr>
+          <p:cNvCxnSpPr>
+            <a:cxnSpLocks/>
+            <a:stCxn id="99" idx="6"/>
+            <a:endCxn id="215" idx="2"/>
+          </p:cNvCxnSpPr>
+          <p:nvPr/>
+        </p:nvCxnSpPr>
+        <p:spPr>
+          <a:xfrm>
+            <a:off x="8646354" y="3842004"/>
+            <a:ext cx="611751" cy="0"/>
+          </a:xfrm>
+          <a:prstGeom prst="line">
+            <a:avLst/>
+          </a:prstGeom>
+          <a:ln w="88900" cap="rnd">
+            <a:solidFill>
+              <a:srgbClr val="00C0C0"/>
+            </a:solidFill>
+            <a:round/>
+          </a:ln>
+        </p:spPr>
+        <p:style>
+          <a:lnRef idx="1">
+            <a:schemeClr val="accent1"/>
+          </a:lnRef>
+          <a:fillRef idx="0">
+            <a:schemeClr val="accent1"/>
+          </a:fillRef>
+          <a:effectRef idx="0">
+            <a:schemeClr val="accent1"/>
+          </a:effectRef>
+          <a:fontRef idx="minor">
+            <a:schemeClr val="tx1"/>
+          </a:fontRef>
+        </p:style>
+      </p:cxnSp>
+      <p:sp>
+        <p:nvSpPr>
+          <p:cNvPr id="225" name="TextBox 224">
+            <a:extLst>
+              <a:ext uri="{FF2B5EF4-FFF2-40B4-BE49-F238E27FC236}">
+                <a16:creationId xmlns:a16="http://schemas.microsoft.com/office/drawing/2014/main" id="{69DDF410-792F-B92A-3FCE-9D6503D49940}"/>
+              </a:ext>
+            </a:extLst>
+          </p:cNvPr>
+          <p:cNvSpPr txBox="1"/>
+          <p:nvPr/>
+        </p:nvSpPr>
+        <p:spPr>
+          <a:xfrm>
+            <a:off x="8971766" y="2807309"/>
+            <a:ext cx="940068" cy="408623"/>
+          </a:xfrm>
+          <a:prstGeom prst="roundRect">
+            <a:avLst/>
+          </a:prstGeom>
+          <a:noFill/>
+          <a:ln>
+            <a:solidFill>
+              <a:srgbClr val="075353"/>
+            </a:solidFill>
+          </a:ln>
+        </p:spPr>
+        <p:txBody>
+          <a:bodyPr wrap="square" rtlCol="0">
+            <a:spAutoFit/>
+          </a:bodyPr>
+          <a:lstStyle/>
+          <a:p>
+            <a:r>
+              <a:rPr lang="en-US" b="1" dirty="0" err="1">
+                <a:latin typeface="Avenir Book" panose="02000503020000020003" pitchFamily="2" charset="0"/>
+              </a:rPr>
+              <a:t>gtdbtk</a:t>
+            </a:r>
+            <a:endParaRPr lang="en-US" b="1" dirty="0">
+              <a:latin typeface="Avenir Book" panose="02000503020000020003" pitchFamily="2" charset="0"/>
+            </a:endParaRPr>
+          </a:p>
+        </p:txBody>
+      </p:sp>
+      <p:cxnSp>
+        <p:nvCxnSpPr>
+          <p:cNvPr id="226" name="Straight Connector 225">
+            <a:extLst>
+              <a:ext uri="{FF2B5EF4-FFF2-40B4-BE49-F238E27FC236}">
+                <a16:creationId xmlns:a16="http://schemas.microsoft.com/office/drawing/2014/main" id="{DD070008-D266-EAFB-B158-7ECC200AEC2B}"/>
+              </a:ext>
+            </a:extLst>
+          </p:cNvPr>
+          <p:cNvCxnSpPr>
+            <a:cxnSpLocks/>
+            <a:stCxn id="215" idx="0"/>
+            <a:endCxn id="225" idx="2"/>
+          </p:cNvCxnSpPr>
+          <p:nvPr/>
+        </p:nvCxnSpPr>
+        <p:spPr>
+          <a:xfrm flipV="1">
+            <a:off x="9403247" y="3215932"/>
+            <a:ext cx="38553" cy="482072"/>
+          </a:xfrm>
+          <a:prstGeom prst="line">
+            <a:avLst/>
+          </a:prstGeom>
+          <a:ln>
+            <a:solidFill>
+              <a:srgbClr val="075353"/>
+            </a:solidFill>
+          </a:ln>
+        </p:spPr>
+        <p:style>
+          <a:lnRef idx="1">
+            <a:schemeClr val="accent1"/>
+          </a:lnRef>
+          <a:fillRef idx="0">
+            <a:schemeClr val="accent1"/>
+          </a:fillRef>
+          <a:effectRef idx="0">
+            <a:schemeClr val="accent1"/>
+          </a:effectRef>
+          <a:fontRef idx="minor">
+            <a:schemeClr val="tx1"/>
+          </a:fontRef>
+        </p:style>
+      </p:cxnSp>
+      <p:cxnSp>
+        <p:nvCxnSpPr>
+          <p:cNvPr id="231" name="Straight Connector 230">
+            <a:extLst>
+              <a:ext uri="{FF2B5EF4-FFF2-40B4-BE49-F238E27FC236}">
+                <a16:creationId xmlns:a16="http://schemas.microsoft.com/office/drawing/2014/main" id="{ECDF5B7F-7A20-72C5-0656-84F6D91ED15F}"/>
+              </a:ext>
+            </a:extLst>
+          </p:cNvPr>
+          <p:cNvCxnSpPr>
+            <a:cxnSpLocks/>
+            <a:endCxn id="374" idx="1"/>
+          </p:cNvCxnSpPr>
+          <p:nvPr/>
+        </p:nvCxnSpPr>
+        <p:spPr>
+          <a:xfrm>
+            <a:off x="8025320" y="3885260"/>
+            <a:ext cx="863425" cy="1302296"/>
+          </a:xfrm>
+          <a:prstGeom prst="line">
+            <a:avLst/>
+          </a:prstGeom>
+          <a:ln w="88900" cap="rnd">
+            <a:solidFill>
+              <a:srgbClr val="00C0C0"/>
+            </a:solidFill>
+            <a:round/>
+          </a:ln>
+        </p:spPr>
+        <p:style>
+          <a:lnRef idx="1">
+            <a:schemeClr val="accent1"/>
+          </a:lnRef>
+          <a:fillRef idx="0">
+            <a:schemeClr val="accent1"/>
+          </a:fillRef>
+          <a:effectRef idx="0">
+            <a:schemeClr val="accent1"/>
+          </a:effectRef>
+          <a:fontRef idx="minor">
+            <a:schemeClr val="tx1"/>
+          </a:fontRef>
+        </p:style>
+      </p:cxnSp>
+      <p:cxnSp>
+        <p:nvCxnSpPr>
+          <p:cNvPr id="237" name="Straight Connector 236">
+            <a:extLst>
+              <a:ext uri="{FF2B5EF4-FFF2-40B4-BE49-F238E27FC236}">
+                <a16:creationId xmlns:a16="http://schemas.microsoft.com/office/drawing/2014/main" id="{26F6C57C-E639-B410-63D4-F474240CCE4F}"/>
+              </a:ext>
+            </a:extLst>
+          </p:cNvPr>
+          <p:cNvCxnSpPr>
+            <a:cxnSpLocks/>
+          </p:cNvCxnSpPr>
+          <p:nvPr/>
+        </p:nvCxnSpPr>
+        <p:spPr>
+          <a:xfrm>
+            <a:off x="1567545" y="4633497"/>
+            <a:ext cx="587663" cy="0"/>
+          </a:xfrm>
+          <a:prstGeom prst="line">
+            <a:avLst/>
+          </a:prstGeom>
+          <a:ln w="88900" cap="rnd">
+            <a:solidFill>
+              <a:srgbClr val="008080">
+                <a:alpha val="23922"/>
+              </a:srgbClr>
+            </a:solidFill>
+            <a:round/>
+            <a:tailEnd type="triangle"/>
+          </a:ln>
+        </p:spPr>
+        <p:style>
+          <a:lnRef idx="1">
+            <a:schemeClr val="accent1"/>
+          </a:lnRef>
+          <a:fillRef idx="0">
+            <a:schemeClr val="accent1"/>
+          </a:fillRef>
+          <a:effectRef idx="0">
+            <a:schemeClr val="accent1"/>
+          </a:effectRef>
+          <a:fontRef idx="minor">
+            <a:schemeClr val="tx1"/>
+          </a:fontRef>
+        </p:style>
+      </p:cxnSp>
+      <p:cxnSp>
+        <p:nvCxnSpPr>
+          <p:cNvPr id="243" name="Straight Connector 242">
+            <a:extLst>
+              <a:ext uri="{FF2B5EF4-FFF2-40B4-BE49-F238E27FC236}">
+                <a16:creationId xmlns:a16="http://schemas.microsoft.com/office/drawing/2014/main" id="{A3047450-BEEF-6EF0-8FA3-BDE767D1C2F0}"/>
+              </a:ext>
+            </a:extLst>
+          </p:cNvPr>
+          <p:cNvCxnSpPr>
+            <a:cxnSpLocks/>
+            <a:stCxn id="240" idx="4"/>
+            <a:endCxn id="25" idx="0"/>
+          </p:cNvCxnSpPr>
+          <p:nvPr/>
+        </p:nvCxnSpPr>
+        <p:spPr>
+          <a:xfrm>
+            <a:off x="3044579" y="5455836"/>
+            <a:ext cx="0" cy="189770"/>
+          </a:xfrm>
+          <a:prstGeom prst="line">
+            <a:avLst/>
+          </a:prstGeom>
+          <a:ln>
+            <a:solidFill>
+              <a:srgbClr val="075353"/>
+            </a:solidFill>
+          </a:ln>
+        </p:spPr>
+        <p:style>
+          <a:lnRef idx="1">
+            <a:schemeClr val="accent1"/>
+          </a:lnRef>
+          <a:fillRef idx="0">
+            <a:schemeClr val="accent1"/>
+          </a:fillRef>
+          <a:effectRef idx="0">
+            <a:schemeClr val="accent1"/>
+          </a:effectRef>
+          <a:fontRef idx="minor">
+            <a:schemeClr val="tx1"/>
+          </a:fontRef>
+        </p:style>
+      </p:cxnSp>
+      <p:cxnSp>
+        <p:nvCxnSpPr>
+          <p:cNvPr id="247" name="Straight Connector 246">
+            <a:extLst>
+              <a:ext uri="{FF2B5EF4-FFF2-40B4-BE49-F238E27FC236}">
+                <a16:creationId xmlns:a16="http://schemas.microsoft.com/office/drawing/2014/main" id="{BDC3CD4C-DCF6-ECA6-7E96-18D5BBB20C22}"/>
+              </a:ext>
+            </a:extLst>
+          </p:cNvPr>
+          <p:cNvCxnSpPr>
+            <a:cxnSpLocks/>
+          </p:cNvCxnSpPr>
+          <p:nvPr/>
+        </p:nvCxnSpPr>
+        <p:spPr>
+          <a:xfrm>
+            <a:off x="2243842" y="2490515"/>
+            <a:ext cx="474916" cy="0"/>
+          </a:xfrm>
+          <a:prstGeom prst="line">
+            <a:avLst/>
+          </a:prstGeom>
+          <a:ln w="88900" cap="rnd">
+            <a:solidFill>
+              <a:srgbClr val="008080">
+                <a:alpha val="23922"/>
+              </a:srgbClr>
+            </a:solidFill>
+            <a:round/>
+            <a:tailEnd type="triangle"/>
+          </a:ln>
+        </p:spPr>
+        <p:style>
+          <a:lnRef idx="1">
+            <a:schemeClr val="accent1"/>
+          </a:lnRef>
+          <a:fillRef idx="0">
+            <a:schemeClr val="accent1"/>
+          </a:fillRef>
+          <a:effectRef idx="0">
+            <a:schemeClr val="accent1"/>
+          </a:effectRef>
+          <a:fontRef idx="minor">
+            <a:schemeClr val="tx1"/>
+          </a:fontRef>
+        </p:style>
+      </p:cxnSp>
+      <p:sp>
+        <p:nvSpPr>
+          <p:cNvPr id="17" name="Oval 16">
+            <a:extLst>
+              <a:ext uri="{FF2B5EF4-FFF2-40B4-BE49-F238E27FC236}">
+                <a16:creationId xmlns:a16="http://schemas.microsoft.com/office/drawing/2014/main" id="{57820A64-BE28-767B-0AF3-2A0DAABA9C9A}"/>
+              </a:ext>
+            </a:extLst>
+          </p:cNvPr>
+          <p:cNvSpPr>
+            <a:spLocks noChangeAspect="1"/>
+          </p:cNvSpPr>
+          <p:nvPr/>
+        </p:nvSpPr>
+        <p:spPr>
+          <a:xfrm>
+            <a:off x="2754383" y="2353723"/>
+            <a:ext cx="290284" cy="288000"/>
+          </a:xfrm>
+          <a:prstGeom prst="ellipse">
+            <a:avLst/>
+          </a:prstGeom>
+          <a:solidFill>
+            <a:srgbClr val="075353"/>
+          </a:solidFill>
+          <a:ln>
+            <a:noFill/>
+          </a:ln>
+        </p:spPr>
+        <p:style>
+          <a:lnRef idx="2">
+            <a:schemeClr val="accent1">
+              <a:shade val="15000"/>
+            </a:schemeClr>
+          </a:lnRef>
+          <a:fillRef idx="1">
+            <a:schemeClr val="accent1"/>
+          </a:fillRef>
+          <a:effectRef idx="0">
+            <a:schemeClr val="accent1"/>
+          </a:effectRef>
+          <a:fontRef idx="minor">
+            <a:schemeClr val="lt1"/>
+          </a:fontRef>
+        </p:style>
+        <p:txBody>
+          <a:bodyPr rtlCol="0" anchor="ctr"/>
+          <a:lstStyle/>
+          <a:p>
+            <a:pPr algn="ctr"/>
+            <a:r>
+              <a:rPr lang="en-US" dirty="0"/>
+              <a:t>1</a:t>
+            </a:r>
+          </a:p>
+        </p:txBody>
+      </p:sp>
+      <p:cxnSp>
+        <p:nvCxnSpPr>
+          <p:cNvPr id="250" name="Straight Connector 249">
+            <a:extLst>
+              <a:ext uri="{FF2B5EF4-FFF2-40B4-BE49-F238E27FC236}">
+                <a16:creationId xmlns:a16="http://schemas.microsoft.com/office/drawing/2014/main" id="{26C77DE6-70BF-618D-0EDF-9F75E1221DEA}"/>
+              </a:ext>
+            </a:extLst>
+          </p:cNvPr>
+          <p:cNvCxnSpPr>
+            <a:cxnSpLocks/>
+            <a:stCxn id="261" idx="2"/>
+            <a:endCxn id="289" idx="7"/>
+          </p:cNvCxnSpPr>
+          <p:nvPr/>
+        </p:nvCxnSpPr>
+        <p:spPr>
+          <a:xfrm flipH="1">
+            <a:off x="2486106" y="4117478"/>
+            <a:ext cx="413331" cy="405865"/>
+          </a:xfrm>
+          <a:prstGeom prst="line">
+            <a:avLst/>
+          </a:prstGeom>
+          <a:ln w="88900" cap="rnd">
+            <a:solidFill>
+              <a:srgbClr val="70BDA6"/>
+            </a:solidFill>
+            <a:round/>
+          </a:ln>
+        </p:spPr>
+        <p:style>
+          <a:lnRef idx="1">
+            <a:schemeClr val="accent1"/>
+          </a:lnRef>
+          <a:fillRef idx="0">
+            <a:schemeClr val="accent1"/>
+          </a:fillRef>
+          <a:effectRef idx="0">
+            <a:schemeClr val="accent1"/>
+          </a:effectRef>
+          <a:fontRef idx="minor">
+            <a:schemeClr val="tx1"/>
+          </a:fontRef>
+        </p:style>
+      </p:cxnSp>
+      <p:cxnSp>
+        <p:nvCxnSpPr>
+          <p:cNvPr id="256" name="Straight Connector 255">
+            <a:extLst>
+              <a:ext uri="{FF2B5EF4-FFF2-40B4-BE49-F238E27FC236}">
+                <a16:creationId xmlns:a16="http://schemas.microsoft.com/office/drawing/2014/main" id="{7C6968C6-292E-1747-DD31-FCEA53F42133}"/>
+              </a:ext>
+            </a:extLst>
+          </p:cNvPr>
+          <p:cNvCxnSpPr>
+            <a:cxnSpLocks/>
+          </p:cNvCxnSpPr>
+          <p:nvPr/>
+        </p:nvCxnSpPr>
+        <p:spPr>
+          <a:xfrm>
+            <a:off x="1723021" y="3516175"/>
+            <a:ext cx="499007" cy="912997"/>
+          </a:xfrm>
+          <a:prstGeom prst="line">
+            <a:avLst/>
+          </a:prstGeom>
+          <a:ln w="88900" cap="rnd">
+            <a:solidFill>
+              <a:srgbClr val="008080">
+                <a:alpha val="23922"/>
+              </a:srgbClr>
+            </a:solidFill>
+            <a:round/>
+            <a:tailEnd type="triangle"/>
+          </a:ln>
+        </p:spPr>
+        <p:style>
+          <a:lnRef idx="1">
+            <a:schemeClr val="accent1"/>
+          </a:lnRef>
+          <a:fillRef idx="0">
+            <a:schemeClr val="accent1"/>
+          </a:fillRef>
+          <a:effectRef idx="0">
+            <a:schemeClr val="accent1"/>
+          </a:effectRef>
+          <a:fontRef idx="minor">
+            <a:schemeClr val="tx1"/>
+          </a:fontRef>
+        </p:style>
+      </p:cxnSp>
+      <p:cxnSp>
+        <p:nvCxnSpPr>
+          <p:cNvPr id="260" name="Straight Connector 259">
+            <a:extLst>
+              <a:ext uri="{FF2B5EF4-FFF2-40B4-BE49-F238E27FC236}">
+                <a16:creationId xmlns:a16="http://schemas.microsoft.com/office/drawing/2014/main" id="{A7685159-3400-2587-113B-DAE21C3C43C9}"/>
+              </a:ext>
+            </a:extLst>
+          </p:cNvPr>
+          <p:cNvCxnSpPr>
+            <a:cxnSpLocks/>
+            <a:stCxn id="275" idx="2"/>
+            <a:endCxn id="261" idx="6"/>
+          </p:cNvCxnSpPr>
+          <p:nvPr/>
+        </p:nvCxnSpPr>
+        <p:spPr>
+          <a:xfrm flipH="1">
+            <a:off x="3189721" y="4117478"/>
+            <a:ext cx="777051" cy="0"/>
+          </a:xfrm>
+          <a:prstGeom prst="line">
+            <a:avLst/>
+          </a:prstGeom>
+          <a:ln w="88900" cap="rnd">
+            <a:solidFill>
+              <a:srgbClr val="70BDA6"/>
+            </a:solidFill>
+            <a:round/>
+          </a:ln>
+        </p:spPr>
+        <p:style>
+          <a:lnRef idx="1">
+            <a:schemeClr val="accent1"/>
+          </a:lnRef>
+          <a:fillRef idx="0">
+            <a:schemeClr val="accent1"/>
+          </a:fillRef>
+          <a:effectRef idx="0">
+            <a:schemeClr val="accent1"/>
+          </a:effectRef>
+          <a:fontRef idx="minor">
+            <a:schemeClr val="tx1"/>
+          </a:fontRef>
+        </p:style>
+      </p:cxnSp>
+      <p:sp>
+        <p:nvSpPr>
+          <p:cNvPr id="261" name="Oval 260">
+            <a:extLst>
+              <a:ext uri="{FF2B5EF4-FFF2-40B4-BE49-F238E27FC236}">
+                <a16:creationId xmlns:a16="http://schemas.microsoft.com/office/drawing/2014/main" id="{08FE091B-38D4-9B16-126A-02408439A36C}"/>
+              </a:ext>
+            </a:extLst>
+          </p:cNvPr>
+          <p:cNvSpPr>
+            <a:spLocks noChangeAspect="1"/>
+          </p:cNvSpPr>
+          <p:nvPr/>
+        </p:nvSpPr>
+        <p:spPr>
+          <a:xfrm>
+            <a:off x="2899437" y="3973478"/>
+            <a:ext cx="290284" cy="288000"/>
+          </a:xfrm>
+          <a:prstGeom prst="ellipse">
+            <a:avLst/>
+          </a:prstGeom>
+          <a:solidFill>
+            <a:srgbClr val="075353"/>
+          </a:solidFill>
+          <a:ln>
+            <a:noFill/>
+          </a:ln>
+        </p:spPr>
+        <p:style>
+          <a:lnRef idx="2">
+            <a:schemeClr val="accent1">
+              <a:shade val="15000"/>
+            </a:schemeClr>
+          </a:lnRef>
+          <a:fillRef idx="1">
+            <a:schemeClr val="accent1"/>
+          </a:fillRef>
+          <a:effectRef idx="0">
+            <a:schemeClr val="accent1"/>
+          </a:effectRef>
+          <a:fontRef idx="minor">
+            <a:schemeClr val="lt1"/>
+          </a:fontRef>
+        </p:style>
+        <p:txBody>
+          <a:bodyPr lIns="0" tIns="0" rIns="0" bIns="0" rtlCol="0" anchor="ctr"/>
+          <a:lstStyle/>
+          <a:p>
+            <a:pPr algn="ctr"/>
+            <a:r>
+              <a:rPr lang="en-US" sz="1400" dirty="0"/>
+              <a:t>15</a:t>
+            </a:r>
+          </a:p>
+        </p:txBody>
+      </p:sp>
+      <p:cxnSp>
+        <p:nvCxnSpPr>
+          <p:cNvPr id="264" name="Straight Connector 263">
+            <a:extLst>
+              <a:ext uri="{FF2B5EF4-FFF2-40B4-BE49-F238E27FC236}">
+                <a16:creationId xmlns:a16="http://schemas.microsoft.com/office/drawing/2014/main" id="{0A9C384B-10F4-DB41-DCF1-09B48D18DC7F}"/>
+              </a:ext>
+            </a:extLst>
+          </p:cNvPr>
+          <p:cNvCxnSpPr>
+            <a:cxnSpLocks/>
+            <a:stCxn id="26" idx="2"/>
+            <a:endCxn id="261" idx="0"/>
+          </p:cNvCxnSpPr>
+          <p:nvPr/>
+        </p:nvCxnSpPr>
+        <p:spPr>
+          <a:xfrm>
+            <a:off x="3040908" y="3818038"/>
+            <a:ext cx="3671" cy="155440"/>
+          </a:xfrm>
+          <a:prstGeom prst="line">
+            <a:avLst/>
+          </a:prstGeom>
+          <a:ln>
+            <a:solidFill>
+              <a:srgbClr val="075353"/>
+            </a:solidFill>
+          </a:ln>
+        </p:spPr>
+        <p:style>
+          <a:lnRef idx="1">
+            <a:schemeClr val="accent1"/>
+          </a:lnRef>
+          <a:fillRef idx="0">
+            <a:schemeClr val="accent1"/>
+          </a:fillRef>
+          <a:effectRef idx="0">
+            <a:schemeClr val="accent1"/>
+          </a:effectRef>
+          <a:fontRef idx="minor">
+            <a:schemeClr val="tx1"/>
+          </a:fontRef>
+        </p:style>
+      </p:cxnSp>
+      <p:cxnSp>
+        <p:nvCxnSpPr>
+          <p:cNvPr id="274" name="Straight Connector 273">
+            <a:extLst>
+              <a:ext uri="{FF2B5EF4-FFF2-40B4-BE49-F238E27FC236}">
+                <a16:creationId xmlns:a16="http://schemas.microsoft.com/office/drawing/2014/main" id="{21A3C1FD-052B-E74E-59CA-0E99EDDBE728}"/>
+              </a:ext>
+            </a:extLst>
+          </p:cNvPr>
+          <p:cNvCxnSpPr>
+            <a:cxnSpLocks/>
+          </p:cNvCxnSpPr>
+          <p:nvPr/>
+        </p:nvCxnSpPr>
+        <p:spPr>
+          <a:xfrm flipH="1">
+            <a:off x="4257056" y="4117477"/>
+            <a:ext cx="540000" cy="1"/>
+          </a:xfrm>
+          <a:prstGeom prst="line">
+            <a:avLst/>
+          </a:prstGeom>
+          <a:ln w="88900" cap="rnd">
+            <a:solidFill>
+              <a:srgbClr val="70BDA6"/>
+            </a:solidFill>
+            <a:round/>
+            <a:headEnd type="oval"/>
+          </a:ln>
+        </p:spPr>
+        <p:style>
+          <a:lnRef idx="1">
+            <a:schemeClr val="accent1"/>
+          </a:lnRef>
+          <a:fillRef idx="0">
+            <a:schemeClr val="accent1"/>
+          </a:fillRef>
+          <a:effectRef idx="0">
+            <a:schemeClr val="accent1"/>
+          </a:effectRef>
+          <a:fontRef idx="minor">
+            <a:schemeClr val="tx1"/>
+          </a:fontRef>
+        </p:style>
+      </p:cxnSp>
+      <p:sp>
+        <p:nvSpPr>
+          <p:cNvPr id="275" name="Oval 274">
+            <a:extLst>
+              <a:ext uri="{FF2B5EF4-FFF2-40B4-BE49-F238E27FC236}">
+                <a16:creationId xmlns:a16="http://schemas.microsoft.com/office/drawing/2014/main" id="{558C571E-054B-7040-93FA-D3ADB9DFE3E7}"/>
+              </a:ext>
+            </a:extLst>
+          </p:cNvPr>
+          <p:cNvSpPr>
+            <a:spLocks noChangeAspect="1"/>
+          </p:cNvSpPr>
+          <p:nvPr/>
+        </p:nvSpPr>
+        <p:spPr>
+          <a:xfrm>
+            <a:off x="3966772" y="3973478"/>
+            <a:ext cx="290284" cy="288000"/>
+          </a:xfrm>
+          <a:prstGeom prst="ellipse">
+            <a:avLst/>
+          </a:prstGeom>
+          <a:solidFill>
+            <a:srgbClr val="075353"/>
+          </a:solidFill>
+          <a:ln>
+            <a:noFill/>
+          </a:ln>
+        </p:spPr>
+        <p:style>
+          <a:lnRef idx="2">
+            <a:schemeClr val="accent1">
+              <a:shade val="15000"/>
+            </a:schemeClr>
+          </a:lnRef>
+          <a:fillRef idx="1">
+            <a:schemeClr val="accent1"/>
+          </a:fillRef>
+          <a:effectRef idx="0">
+            <a:schemeClr val="accent1"/>
+          </a:effectRef>
+          <a:fontRef idx="minor">
+            <a:schemeClr val="lt1"/>
+          </a:fontRef>
+        </p:style>
+        <p:txBody>
+          <a:bodyPr lIns="0" tIns="0" rIns="0" bIns="0" rtlCol="0" anchor="ctr"/>
+          <a:lstStyle/>
+          <a:p>
+            <a:pPr algn="ctr"/>
+            <a:r>
+              <a:rPr lang="en-US" sz="1400" dirty="0"/>
+              <a:t>16</a:t>
+            </a:r>
+          </a:p>
+        </p:txBody>
+      </p:sp>
+      <p:cxnSp>
+        <p:nvCxnSpPr>
+          <p:cNvPr id="278" name="Straight Connector 277">
+            <a:extLst>
+              <a:ext uri="{FF2B5EF4-FFF2-40B4-BE49-F238E27FC236}">
+                <a16:creationId xmlns:a16="http://schemas.microsoft.com/office/drawing/2014/main" id="{B84087C8-85DF-1DBE-6BBF-5D933A93097B}"/>
+              </a:ext>
+            </a:extLst>
+          </p:cNvPr>
+          <p:cNvCxnSpPr>
+            <a:cxnSpLocks/>
+            <a:stCxn id="275" idx="4"/>
+            <a:endCxn id="27" idx="0"/>
+          </p:cNvCxnSpPr>
+          <p:nvPr/>
+        </p:nvCxnSpPr>
+        <p:spPr>
+          <a:xfrm flipH="1">
+            <a:off x="4109309" y="4261478"/>
+            <a:ext cx="2605" cy="202548"/>
+          </a:xfrm>
+          <a:prstGeom prst="line">
+            <a:avLst/>
+          </a:prstGeom>
+          <a:ln>
+            <a:solidFill>
+              <a:srgbClr val="075353"/>
+            </a:solidFill>
+          </a:ln>
+        </p:spPr>
+        <p:style>
+          <a:lnRef idx="1">
+            <a:schemeClr val="accent1"/>
+          </a:lnRef>
+          <a:fillRef idx="0">
+            <a:schemeClr val="accent1"/>
+          </a:fillRef>
+          <a:effectRef idx="0">
+            <a:schemeClr val="accent1"/>
+          </a:effectRef>
+          <a:fontRef idx="minor">
+            <a:schemeClr val="tx1"/>
+          </a:fontRef>
+        </p:style>
+      </p:cxnSp>
+      <p:cxnSp>
+        <p:nvCxnSpPr>
+          <p:cNvPr id="293" name="Straight Connector 292">
+            <a:extLst>
+              <a:ext uri="{FF2B5EF4-FFF2-40B4-BE49-F238E27FC236}">
+                <a16:creationId xmlns:a16="http://schemas.microsoft.com/office/drawing/2014/main" id="{48082560-ACCF-2DFC-73B2-F1A61931E5FA}"/>
+              </a:ext>
+            </a:extLst>
+          </p:cNvPr>
+          <p:cNvCxnSpPr>
+            <a:cxnSpLocks/>
+            <a:stCxn id="240" idx="1"/>
+            <a:endCxn id="289" idx="5"/>
+          </p:cNvCxnSpPr>
+          <p:nvPr/>
+        </p:nvCxnSpPr>
+        <p:spPr>
+          <a:xfrm flipH="1" flipV="1">
+            <a:off x="2486106" y="4726989"/>
+            <a:ext cx="455842" cy="483024"/>
+          </a:xfrm>
+          <a:prstGeom prst="line">
+            <a:avLst/>
+          </a:prstGeom>
+          <a:ln w="88900" cap="rnd">
+            <a:solidFill>
+              <a:srgbClr val="56B2C1"/>
+            </a:solidFill>
+            <a:round/>
+          </a:ln>
+        </p:spPr>
+        <p:style>
+          <a:lnRef idx="1">
+            <a:schemeClr val="accent1"/>
+          </a:lnRef>
+          <a:fillRef idx="0">
+            <a:schemeClr val="accent1"/>
+          </a:fillRef>
+          <a:effectRef idx="0">
+            <a:schemeClr val="accent1"/>
+          </a:effectRef>
+          <a:fontRef idx="minor">
+            <a:schemeClr val="tx1"/>
+          </a:fontRef>
+        </p:style>
+      </p:cxnSp>
+      <p:sp>
+        <p:nvSpPr>
+          <p:cNvPr id="289" name="Oval 288">
+            <a:extLst>
+              <a:ext uri="{FF2B5EF4-FFF2-40B4-BE49-F238E27FC236}">
+                <a16:creationId xmlns:a16="http://schemas.microsoft.com/office/drawing/2014/main" id="{06F08BD7-B5A7-944E-6A72-A289EA4946C9}"/>
+              </a:ext>
+            </a:extLst>
+          </p:cNvPr>
+          <p:cNvSpPr>
+            <a:spLocks noChangeAspect="1"/>
+          </p:cNvSpPr>
+          <p:nvPr/>
+        </p:nvSpPr>
+        <p:spPr>
+          <a:xfrm>
+            <a:off x="2238333" y="4481166"/>
+            <a:ext cx="290284" cy="288000"/>
+          </a:xfrm>
+          <a:prstGeom prst="ellipse">
+            <a:avLst/>
+          </a:prstGeom>
+          <a:solidFill>
+            <a:srgbClr val="075353"/>
+          </a:solidFill>
+          <a:ln>
+            <a:noFill/>
+          </a:ln>
+        </p:spPr>
+        <p:style>
+          <a:lnRef idx="2">
+            <a:schemeClr val="accent1">
+              <a:shade val="15000"/>
+            </a:schemeClr>
+          </a:lnRef>
+          <a:fillRef idx="1">
+            <a:schemeClr val="accent1"/>
+          </a:fillRef>
+          <a:effectRef idx="0">
+            <a:schemeClr val="accent1"/>
+          </a:effectRef>
+          <a:fontRef idx="minor">
+            <a:schemeClr val="lt1"/>
+          </a:fontRef>
+        </p:style>
+        <p:txBody>
+          <a:bodyPr lIns="0" tIns="0" rIns="0" bIns="0" rtlCol="0" anchor="ctr"/>
+          <a:lstStyle/>
+          <a:p>
+            <a:pPr algn="ctr"/>
+            <a:r>
+              <a:rPr lang="en-US" sz="1400" dirty="0"/>
+              <a:t>14</a:t>
+            </a:r>
+          </a:p>
+        </p:txBody>
+      </p:sp>
+      <p:cxnSp>
+        <p:nvCxnSpPr>
+          <p:cNvPr id="333" name="Straight Connector 332">
+            <a:extLst>
+              <a:ext uri="{FF2B5EF4-FFF2-40B4-BE49-F238E27FC236}">
+                <a16:creationId xmlns:a16="http://schemas.microsoft.com/office/drawing/2014/main" id="{71ACAA65-3A7B-FCA4-75A9-9775A3FF8480}"/>
+              </a:ext>
+            </a:extLst>
+          </p:cNvPr>
+          <p:cNvCxnSpPr>
+            <a:cxnSpLocks/>
+            <a:stCxn id="28" idx="2"/>
+            <a:endCxn id="63" idx="7"/>
+          </p:cNvCxnSpPr>
+          <p:nvPr/>
+        </p:nvCxnSpPr>
+        <p:spPr>
+          <a:xfrm flipH="1">
+            <a:off x="6298499" y="1689628"/>
+            <a:ext cx="487129" cy="706272"/>
+          </a:xfrm>
+          <a:prstGeom prst="line">
+            <a:avLst/>
+          </a:prstGeom>
+          <a:ln>
+            <a:solidFill>
+              <a:srgbClr val="075353"/>
+            </a:solidFill>
+          </a:ln>
+        </p:spPr>
+        <p:style>
+          <a:lnRef idx="1">
+            <a:schemeClr val="accent1"/>
+          </a:lnRef>
+          <a:fillRef idx="0">
+            <a:schemeClr val="accent1"/>
+          </a:fillRef>
+          <a:effectRef idx="0">
+            <a:schemeClr val="accent1"/>
+          </a:effectRef>
+          <a:fontRef idx="minor">
+            <a:schemeClr val="tx1"/>
+          </a:fontRef>
+        </p:style>
+      </p:cxnSp>
+      <p:sp>
+        <p:nvSpPr>
+          <p:cNvPr id="363" name="TextBox 362">
+            <a:extLst>
+              <a:ext uri="{FF2B5EF4-FFF2-40B4-BE49-F238E27FC236}">
+                <a16:creationId xmlns:a16="http://schemas.microsoft.com/office/drawing/2014/main" id="{259FA17E-707C-95AC-B768-78A7E15A96CD}"/>
+              </a:ext>
+            </a:extLst>
+          </p:cNvPr>
+          <p:cNvSpPr txBox="1"/>
+          <p:nvPr/>
+        </p:nvSpPr>
+        <p:spPr>
+          <a:xfrm>
+            <a:off x="9381146" y="4441062"/>
+            <a:ext cx="1116060" cy="408623"/>
+          </a:xfrm>
+          <a:prstGeom prst="roundRect">
+            <a:avLst/>
+          </a:prstGeom>
+          <a:noFill/>
+          <a:ln>
+            <a:solidFill>
+              <a:srgbClr val="075353"/>
+            </a:solidFill>
+          </a:ln>
+        </p:spPr>
+        <p:txBody>
+          <a:bodyPr wrap="none" rtlCol="0">
+            <a:spAutoFit/>
+          </a:bodyPr>
+          <a:lstStyle/>
+          <a:p>
+            <a:r>
+              <a:rPr lang="en-US" b="1" dirty="0">
+                <a:latin typeface="Avenir Book" panose="02000503020000020003" pitchFamily="2" charset="0"/>
+              </a:rPr>
+              <a:t>prodigal</a:t>
+            </a:r>
+          </a:p>
+        </p:txBody>
+      </p:sp>
+      <p:cxnSp>
+        <p:nvCxnSpPr>
+          <p:cNvPr id="364" name="Straight Connector 363">
+            <a:extLst>
+              <a:ext uri="{FF2B5EF4-FFF2-40B4-BE49-F238E27FC236}">
+                <a16:creationId xmlns:a16="http://schemas.microsoft.com/office/drawing/2014/main" id="{89BF99EF-0ADF-6DDE-B420-8FAEC76D0AD3}"/>
+              </a:ext>
+            </a:extLst>
+          </p:cNvPr>
+          <p:cNvCxnSpPr>
+            <a:cxnSpLocks/>
+            <a:stCxn id="363" idx="2"/>
+            <a:endCxn id="392" idx="0"/>
+          </p:cNvCxnSpPr>
+          <p:nvPr/>
+        </p:nvCxnSpPr>
+        <p:spPr>
+          <a:xfrm>
+            <a:off x="9939176" y="4849685"/>
+            <a:ext cx="713836" cy="235201"/>
+          </a:xfrm>
+          <a:prstGeom prst="line">
+            <a:avLst/>
+          </a:prstGeom>
+          <a:ln>
+            <a:solidFill>
+              <a:srgbClr val="075353"/>
+            </a:solidFill>
+          </a:ln>
+        </p:spPr>
+        <p:style>
+          <a:lnRef idx="1">
+            <a:schemeClr val="accent1"/>
+          </a:lnRef>
+          <a:fillRef idx="0">
+            <a:schemeClr val="accent1"/>
+          </a:fillRef>
+          <a:effectRef idx="0">
+            <a:schemeClr val="accent1"/>
+          </a:effectRef>
+          <a:fontRef idx="minor">
+            <a:schemeClr val="tx1"/>
+          </a:fontRef>
+        </p:style>
+      </p:cxnSp>
+      <p:sp>
+        <p:nvSpPr>
+          <p:cNvPr id="385" name="TextBox 384">
+            <a:extLst>
+              <a:ext uri="{FF2B5EF4-FFF2-40B4-BE49-F238E27FC236}">
+                <a16:creationId xmlns:a16="http://schemas.microsoft.com/office/drawing/2014/main" id="{0AEB1FCD-779F-0D5D-2D02-D2560591037D}"/>
+              </a:ext>
+            </a:extLst>
+          </p:cNvPr>
+          <p:cNvSpPr txBox="1"/>
+          <p:nvPr/>
+        </p:nvSpPr>
+        <p:spPr>
+          <a:xfrm>
+            <a:off x="10586353" y="4441062"/>
+            <a:ext cx="1116060" cy="408623"/>
+          </a:xfrm>
+          <a:prstGeom prst="roundRect">
+            <a:avLst/>
+          </a:prstGeom>
+          <a:noFill/>
+          <a:ln>
+            <a:solidFill>
+              <a:srgbClr val="075353"/>
+            </a:solidFill>
+          </a:ln>
+        </p:spPr>
+        <p:txBody>
+          <a:bodyPr wrap="square" rtlCol="0">
+            <a:spAutoFit/>
+          </a:bodyPr>
+          <a:lstStyle/>
+          <a:p>
+            <a:pPr algn="ctr"/>
+            <a:r>
+              <a:rPr lang="en-US" b="1" dirty="0">
+                <a:latin typeface="Avenir Book" panose="02000503020000020003" pitchFamily="2" charset="0"/>
+              </a:rPr>
+              <a:t>blast</a:t>
+            </a:r>
+          </a:p>
+        </p:txBody>
+      </p:sp>
+      <p:cxnSp>
+        <p:nvCxnSpPr>
+          <p:cNvPr id="386" name="Straight Connector 385">
+            <a:extLst>
+              <a:ext uri="{FF2B5EF4-FFF2-40B4-BE49-F238E27FC236}">
+                <a16:creationId xmlns:a16="http://schemas.microsoft.com/office/drawing/2014/main" id="{A95481B9-753D-4915-0AB9-EEC3CDB70E94}"/>
+              </a:ext>
+            </a:extLst>
+          </p:cNvPr>
+          <p:cNvCxnSpPr>
+            <a:cxnSpLocks/>
+            <a:stCxn id="385" idx="2"/>
+            <a:endCxn id="392" idx="0"/>
+          </p:cNvCxnSpPr>
+          <p:nvPr/>
+        </p:nvCxnSpPr>
+        <p:spPr>
+          <a:xfrm flipH="1">
+            <a:off x="10653012" y="4849685"/>
+            <a:ext cx="491371" cy="235201"/>
+          </a:xfrm>
+          <a:prstGeom prst="line">
+            <a:avLst/>
+          </a:prstGeom>
+          <a:ln>
+            <a:solidFill>
+              <a:srgbClr val="075353"/>
+            </a:solidFill>
+          </a:ln>
+        </p:spPr>
+        <p:style>
+          <a:lnRef idx="1">
+            <a:schemeClr val="accent1"/>
+          </a:lnRef>
+          <a:fillRef idx="0">
+            <a:schemeClr val="accent1"/>
+          </a:fillRef>
+          <a:effectRef idx="0">
+            <a:schemeClr val="accent1"/>
+          </a:effectRef>
+          <a:fontRef idx="minor">
+            <a:schemeClr val="tx1"/>
+          </a:fontRef>
+        </p:style>
+      </p:cxnSp>
+      <p:sp>
+        <p:nvSpPr>
+          <p:cNvPr id="392" name="TextBox 391">
+            <a:extLst>
+              <a:ext uri="{FF2B5EF4-FFF2-40B4-BE49-F238E27FC236}">
+                <a16:creationId xmlns:a16="http://schemas.microsoft.com/office/drawing/2014/main" id="{E81BD8CB-E459-2CD0-E316-3F088EB8FA14}"/>
+              </a:ext>
+            </a:extLst>
+          </p:cNvPr>
+          <p:cNvSpPr txBox="1"/>
+          <p:nvPr/>
+        </p:nvSpPr>
+        <p:spPr>
+          <a:xfrm>
+            <a:off x="9306643" y="5084886"/>
+            <a:ext cx="2692738" cy="408623"/>
+          </a:xfrm>
+          <a:prstGeom prst="roundRect">
+            <a:avLst/>
+          </a:prstGeom>
+          <a:noFill/>
+          <a:ln>
+            <a:solidFill>
+              <a:srgbClr val="075353"/>
+            </a:solidFill>
+          </a:ln>
+        </p:spPr>
+        <p:txBody>
+          <a:bodyPr wrap="square" rtlCol="0">
+            <a:spAutoFit/>
+          </a:bodyPr>
+          <a:lstStyle/>
+          <a:p>
+            <a:pPr algn="ctr"/>
+            <a:r>
+              <a:rPr lang="en-US" b="1" dirty="0">
+                <a:latin typeface="Avenir Book" panose="02000503020000020003" pitchFamily="2" charset="0"/>
+              </a:rPr>
+              <a:t>fromAssembly2feature</a:t>
+            </a:r>
+          </a:p>
+        </p:txBody>
+      </p:sp>
+      <p:cxnSp>
+        <p:nvCxnSpPr>
+          <p:cNvPr id="393" name="Straight Connector 392">
+            <a:extLst>
+              <a:ext uri="{FF2B5EF4-FFF2-40B4-BE49-F238E27FC236}">
+                <a16:creationId xmlns:a16="http://schemas.microsoft.com/office/drawing/2014/main" id="{D7C41295-1B42-85D8-E812-F0BEA9AB5D21}"/>
+              </a:ext>
+            </a:extLst>
+          </p:cNvPr>
+          <p:cNvCxnSpPr>
+            <a:cxnSpLocks/>
+            <a:stCxn id="392" idx="1"/>
+            <a:endCxn id="374" idx="6"/>
+          </p:cNvCxnSpPr>
+          <p:nvPr/>
+        </p:nvCxnSpPr>
+        <p:spPr>
+          <a:xfrm flipH="1">
+            <a:off x="9136518" y="5289198"/>
+            <a:ext cx="170125" cy="181"/>
+          </a:xfrm>
+          <a:prstGeom prst="line">
+            <a:avLst/>
+          </a:prstGeom>
+          <a:ln>
+            <a:solidFill>
+              <a:srgbClr val="075353"/>
+            </a:solidFill>
+          </a:ln>
+        </p:spPr>
+        <p:style>
+          <a:lnRef idx="1">
+            <a:schemeClr val="accent1"/>
+          </a:lnRef>
+          <a:fillRef idx="0">
+            <a:schemeClr val="accent1"/>
+          </a:fillRef>
+          <a:effectRef idx="0">
+            <a:schemeClr val="accent1"/>
+          </a:effectRef>
+          <a:fontRef idx="minor">
+            <a:schemeClr val="tx1"/>
+          </a:fontRef>
+        </p:style>
+      </p:cxnSp>
+      <p:cxnSp>
+        <p:nvCxnSpPr>
+          <p:cNvPr id="409" name="Straight Connector 408">
+            <a:extLst>
+              <a:ext uri="{FF2B5EF4-FFF2-40B4-BE49-F238E27FC236}">
+                <a16:creationId xmlns:a16="http://schemas.microsoft.com/office/drawing/2014/main" id="{E6321B96-E4B9-4F51-B73F-A5FBE14C5CB3}"/>
+              </a:ext>
+            </a:extLst>
+          </p:cNvPr>
+          <p:cNvCxnSpPr>
+            <a:cxnSpLocks/>
+          </p:cNvCxnSpPr>
+          <p:nvPr/>
+        </p:nvCxnSpPr>
+        <p:spPr>
+          <a:xfrm>
+            <a:off x="8312396" y="5242817"/>
+            <a:ext cx="503470" cy="0"/>
+          </a:xfrm>
+          <a:prstGeom prst="line">
+            <a:avLst/>
+          </a:prstGeom>
+          <a:ln w="88900" cap="rnd">
+            <a:solidFill>
+              <a:srgbClr val="008080">
+                <a:alpha val="23922"/>
+              </a:srgbClr>
+            </a:solidFill>
+            <a:round/>
+            <a:tailEnd type="triangle"/>
+          </a:ln>
+        </p:spPr>
+        <p:style>
+          <a:lnRef idx="1">
+            <a:schemeClr val="accent1"/>
+          </a:lnRef>
+          <a:fillRef idx="0">
+            <a:schemeClr val="accent1"/>
+          </a:fillRef>
+          <a:effectRef idx="0">
+            <a:schemeClr val="accent1"/>
+          </a:effectRef>
+          <a:fontRef idx="minor">
+            <a:schemeClr val="tx1"/>
+          </a:fontRef>
+        </p:style>
+      </p:cxnSp>
+      <p:cxnSp>
+        <p:nvCxnSpPr>
+          <p:cNvPr id="431" name="Straight Connector 430">
+            <a:extLst>
+              <a:ext uri="{FF2B5EF4-FFF2-40B4-BE49-F238E27FC236}">
+                <a16:creationId xmlns:a16="http://schemas.microsoft.com/office/drawing/2014/main" id="{C18D1347-481C-65C1-0828-AAE6169BD8F9}"/>
+              </a:ext>
+            </a:extLst>
+          </p:cNvPr>
+          <p:cNvCxnSpPr>
+            <a:cxnSpLocks/>
+          </p:cNvCxnSpPr>
+          <p:nvPr/>
+        </p:nvCxnSpPr>
+        <p:spPr>
+          <a:xfrm flipH="1">
+            <a:off x="3189721" y="5306590"/>
+            <a:ext cx="1607335" cy="0"/>
+          </a:xfrm>
+          <a:prstGeom prst="line">
+            <a:avLst/>
+          </a:prstGeom>
+          <a:ln w="88900" cap="rnd">
+            <a:solidFill>
+              <a:srgbClr val="56B2C1"/>
+            </a:solidFill>
+            <a:round/>
+            <a:headEnd type="oval"/>
+          </a:ln>
+        </p:spPr>
+        <p:style>
+          <a:lnRef idx="1">
+            <a:schemeClr val="accent1"/>
+          </a:lnRef>
+          <a:fillRef idx="0">
+            <a:schemeClr val="accent1"/>
+          </a:fillRef>
+          <a:effectRef idx="0">
+            <a:schemeClr val="accent1"/>
+          </a:effectRef>
+          <a:fontRef idx="minor">
+            <a:schemeClr val="tx1"/>
+          </a:fontRef>
+        </p:style>
+      </p:cxnSp>
+      <p:sp>
+        <p:nvSpPr>
+          <p:cNvPr id="240" name="Oval 239">
+            <a:extLst>
+              <a:ext uri="{FF2B5EF4-FFF2-40B4-BE49-F238E27FC236}">
+                <a16:creationId xmlns:a16="http://schemas.microsoft.com/office/drawing/2014/main" id="{0F7A3150-A74A-E40A-5245-769D7C1677DF}"/>
+              </a:ext>
+            </a:extLst>
+          </p:cNvPr>
+          <p:cNvSpPr>
+            <a:spLocks noChangeAspect="1"/>
+          </p:cNvSpPr>
+          <p:nvPr/>
+        </p:nvSpPr>
+        <p:spPr>
+          <a:xfrm>
+            <a:off x="2899437" y="5167836"/>
+            <a:ext cx="290284" cy="288000"/>
+          </a:xfrm>
+          <a:prstGeom prst="ellipse">
+            <a:avLst/>
+          </a:prstGeom>
+          <a:solidFill>
+            <a:srgbClr val="075353"/>
+          </a:solidFill>
+          <a:ln>
+            <a:noFill/>
+          </a:ln>
+        </p:spPr>
+        <p:style>
+          <a:lnRef idx="2">
+            <a:schemeClr val="accent1">
+              <a:shade val="15000"/>
+            </a:schemeClr>
+          </a:lnRef>
+          <a:fillRef idx="1">
+            <a:schemeClr val="accent1"/>
+          </a:fillRef>
+          <a:effectRef idx="0">
+            <a:schemeClr val="accent1"/>
+          </a:effectRef>
+          <a:fontRef idx="minor">
+            <a:schemeClr val="lt1"/>
+          </a:fontRef>
+        </p:style>
+        <p:txBody>
+          <a:bodyPr lIns="0" tIns="0" rIns="0" bIns="0" rtlCol="0" anchor="ctr"/>
+          <a:lstStyle/>
+          <a:p>
+            <a:pPr algn="ctr"/>
+            <a:r>
+              <a:rPr lang="en-US" sz="1400" dirty="0"/>
+              <a:t>17</a:t>
+            </a:r>
+          </a:p>
+        </p:txBody>
+      </p:sp>
+      <p:cxnSp>
+        <p:nvCxnSpPr>
+          <p:cNvPr id="436" name="Straight Connector 435">
+            <a:extLst>
+              <a:ext uri="{FF2B5EF4-FFF2-40B4-BE49-F238E27FC236}">
+                <a16:creationId xmlns:a16="http://schemas.microsoft.com/office/drawing/2014/main" id="{17DF02BB-D2AD-0723-3E63-844A20DFC137}"/>
+              </a:ext>
+            </a:extLst>
+          </p:cNvPr>
+          <p:cNvCxnSpPr>
+            <a:cxnSpLocks/>
+            <a:stCxn id="95" idx="6"/>
+          </p:cNvCxnSpPr>
+          <p:nvPr/>
+        </p:nvCxnSpPr>
+        <p:spPr>
+          <a:xfrm>
+            <a:off x="9171859" y="1080241"/>
+            <a:ext cx="756000" cy="0"/>
+          </a:xfrm>
+          <a:prstGeom prst="line">
+            <a:avLst/>
+          </a:prstGeom>
+          <a:ln w="88900" cap="rnd">
+            <a:solidFill>
+              <a:srgbClr val="00C259"/>
+            </a:solidFill>
+            <a:round/>
+            <a:tailEnd type="oval"/>
+          </a:ln>
+        </p:spPr>
+        <p:style>
+          <a:lnRef idx="1">
+            <a:schemeClr val="accent1"/>
+          </a:lnRef>
+          <a:fillRef idx="0">
+            <a:schemeClr val="accent1"/>
+          </a:fillRef>
+          <a:effectRef idx="0">
+            <a:schemeClr val="accent1"/>
+          </a:effectRef>
+          <a:fontRef idx="minor">
+            <a:schemeClr val="tx1"/>
+          </a:fontRef>
+        </p:style>
+      </p:cxnSp>
+      <p:sp>
+        <p:nvSpPr>
+          <p:cNvPr id="95" name="Oval 94">
+            <a:extLst>
+              <a:ext uri="{FF2B5EF4-FFF2-40B4-BE49-F238E27FC236}">
+                <a16:creationId xmlns:a16="http://schemas.microsoft.com/office/drawing/2014/main" id="{E73B4CB4-BF57-AEF6-92C0-41C40E0A8EEC}"/>
+              </a:ext>
+            </a:extLst>
+          </p:cNvPr>
+          <p:cNvSpPr>
+            <a:spLocks noChangeAspect="1"/>
+          </p:cNvSpPr>
+          <p:nvPr/>
+        </p:nvSpPr>
+        <p:spPr>
+          <a:xfrm>
+            <a:off x="8881575" y="936241"/>
+            <a:ext cx="290284" cy="288000"/>
+          </a:xfrm>
+          <a:prstGeom prst="ellipse">
+            <a:avLst/>
+          </a:prstGeom>
+          <a:solidFill>
+            <a:srgbClr val="075353"/>
+          </a:solidFill>
+          <a:ln>
+            <a:noFill/>
+          </a:ln>
+        </p:spPr>
+        <p:style>
+          <a:lnRef idx="2">
+            <a:schemeClr val="accent1">
+              <a:shade val="15000"/>
+            </a:schemeClr>
+          </a:lnRef>
+          <a:fillRef idx="1">
+            <a:schemeClr val="accent1"/>
+          </a:fillRef>
+          <a:effectRef idx="0">
+            <a:schemeClr val="accent1"/>
+          </a:effectRef>
+          <a:fontRef idx="minor">
+            <a:schemeClr val="lt1"/>
+          </a:fontRef>
+        </p:style>
+        <p:txBody>
+          <a:bodyPr lIns="0" tIns="0" rIns="0" bIns="0" rtlCol="0" anchor="ctr"/>
+          <a:lstStyle/>
+          <a:p>
+            <a:pPr algn="ctr"/>
+            <a:r>
+              <a:rPr lang="en-US" dirty="0"/>
+              <a:t>9</a:t>
+            </a:r>
+          </a:p>
+        </p:txBody>
+      </p:sp>
+      <p:cxnSp>
+        <p:nvCxnSpPr>
+          <p:cNvPr id="441" name="Straight Connector 440">
+            <a:extLst>
+              <a:ext uri="{FF2B5EF4-FFF2-40B4-BE49-F238E27FC236}">
+                <a16:creationId xmlns:a16="http://schemas.microsoft.com/office/drawing/2014/main" id="{60E3656D-B90C-6E06-A0A1-DD23E84D05FD}"/>
+              </a:ext>
+            </a:extLst>
+          </p:cNvPr>
+          <p:cNvCxnSpPr>
+            <a:cxnSpLocks/>
+            <a:stCxn id="98" idx="6"/>
+          </p:cNvCxnSpPr>
+          <p:nvPr/>
+        </p:nvCxnSpPr>
+        <p:spPr>
+          <a:xfrm>
+            <a:off x="9124300" y="2470150"/>
+            <a:ext cx="756000" cy="0"/>
+          </a:xfrm>
+          <a:prstGeom prst="line">
+            <a:avLst/>
+          </a:prstGeom>
+          <a:ln w="88900" cap="rnd">
+            <a:solidFill>
+              <a:srgbClr val="00DBA0"/>
+            </a:solidFill>
+            <a:round/>
+            <a:tailEnd type="oval"/>
+          </a:ln>
+        </p:spPr>
+        <p:style>
+          <a:lnRef idx="1">
+            <a:schemeClr val="accent1"/>
+          </a:lnRef>
+          <a:fillRef idx="0">
+            <a:schemeClr val="accent1"/>
+          </a:fillRef>
+          <a:effectRef idx="0">
+            <a:schemeClr val="accent1"/>
+          </a:effectRef>
+          <a:fontRef idx="minor">
+            <a:schemeClr val="tx1"/>
+          </a:fontRef>
+        </p:style>
+      </p:cxnSp>
+      <p:cxnSp>
+        <p:nvCxnSpPr>
+          <p:cNvPr id="445" name="Straight Connector 444">
+            <a:extLst>
+              <a:ext uri="{FF2B5EF4-FFF2-40B4-BE49-F238E27FC236}">
+                <a16:creationId xmlns:a16="http://schemas.microsoft.com/office/drawing/2014/main" id="{798D9EF3-FA16-77A3-5BDF-D0218296FF6C}"/>
+              </a:ext>
+            </a:extLst>
+          </p:cNvPr>
+          <p:cNvCxnSpPr>
+            <a:cxnSpLocks/>
+            <a:stCxn id="215" idx="6"/>
+          </p:cNvCxnSpPr>
+          <p:nvPr/>
+        </p:nvCxnSpPr>
+        <p:spPr>
+          <a:xfrm>
+            <a:off x="9548389" y="3842004"/>
+            <a:ext cx="331911" cy="0"/>
+          </a:xfrm>
+          <a:prstGeom prst="line">
+            <a:avLst/>
+          </a:prstGeom>
+          <a:ln w="88900" cap="rnd">
+            <a:solidFill>
+              <a:srgbClr val="00C0C0"/>
+            </a:solidFill>
+            <a:round/>
+            <a:tailEnd type="oval"/>
+          </a:ln>
+        </p:spPr>
+        <p:style>
+          <a:lnRef idx="1">
+            <a:schemeClr val="accent1"/>
+          </a:lnRef>
+          <a:fillRef idx="0">
+            <a:schemeClr val="accent1"/>
+          </a:fillRef>
+          <a:effectRef idx="0">
+            <a:schemeClr val="accent1"/>
+          </a:effectRef>
+          <a:fontRef idx="minor">
+            <a:schemeClr val="tx1"/>
+          </a:fontRef>
+        </p:style>
+      </p:cxnSp>
+      <p:sp>
+        <p:nvSpPr>
+          <p:cNvPr id="98" name="Oval 97">
+            <a:extLst>
+              <a:ext uri="{FF2B5EF4-FFF2-40B4-BE49-F238E27FC236}">
+                <a16:creationId xmlns:a16="http://schemas.microsoft.com/office/drawing/2014/main" id="{811DE39D-05B9-A761-58C9-E4248981154B}"/>
+              </a:ext>
+            </a:extLst>
+          </p:cNvPr>
+          <p:cNvSpPr>
+            <a:spLocks noChangeAspect="1"/>
+          </p:cNvSpPr>
+          <p:nvPr/>
+        </p:nvSpPr>
+        <p:spPr>
+          <a:xfrm>
+            <a:off x="8834016" y="2326150"/>
+            <a:ext cx="290284" cy="288000"/>
+          </a:xfrm>
+          <a:prstGeom prst="ellipse">
+            <a:avLst/>
+          </a:prstGeom>
+          <a:solidFill>
+            <a:srgbClr val="075353"/>
+          </a:solidFill>
+          <a:ln>
+            <a:noFill/>
+          </a:ln>
+        </p:spPr>
+        <p:style>
+          <a:lnRef idx="2">
+            <a:schemeClr val="accent1">
+              <a:shade val="15000"/>
+            </a:schemeClr>
+          </a:lnRef>
+          <a:fillRef idx="1">
+            <a:schemeClr val="accent1"/>
+          </a:fillRef>
+          <a:effectRef idx="0">
+            <a:schemeClr val="accent1"/>
+          </a:effectRef>
+          <a:fontRef idx="minor">
+            <a:schemeClr val="lt1"/>
+          </a:fontRef>
+        </p:style>
+        <p:txBody>
+          <a:bodyPr lIns="0" tIns="0" rIns="0" bIns="0" rtlCol="0" anchor="ctr"/>
+          <a:lstStyle/>
+          <a:p>
+            <a:pPr algn="ctr"/>
+            <a:r>
+              <a:rPr lang="en-US" sz="1400" dirty="0"/>
+              <a:t>10</a:t>
+            </a:r>
+          </a:p>
+        </p:txBody>
+      </p:sp>
+      <p:sp>
+        <p:nvSpPr>
+          <p:cNvPr id="215" name="Oval 214">
+            <a:extLst>
+              <a:ext uri="{FF2B5EF4-FFF2-40B4-BE49-F238E27FC236}">
+                <a16:creationId xmlns:a16="http://schemas.microsoft.com/office/drawing/2014/main" id="{8C61CA74-F0EC-68C3-4907-D97D89AFD1DA}"/>
+              </a:ext>
+            </a:extLst>
+          </p:cNvPr>
+          <p:cNvSpPr>
+            <a:spLocks noChangeAspect="1"/>
+          </p:cNvSpPr>
+          <p:nvPr/>
+        </p:nvSpPr>
+        <p:spPr>
+          <a:xfrm>
+            <a:off x="9258105" y="3698004"/>
+            <a:ext cx="290284" cy="288000"/>
+          </a:xfrm>
+          <a:prstGeom prst="ellipse">
+            <a:avLst/>
+          </a:prstGeom>
+          <a:solidFill>
+            <a:srgbClr val="075353"/>
+          </a:solidFill>
+          <a:ln>
+            <a:noFill/>
+          </a:ln>
+        </p:spPr>
+        <p:style>
+          <a:lnRef idx="2">
+            <a:schemeClr val="accent1">
+              <a:shade val="15000"/>
+            </a:schemeClr>
+          </a:lnRef>
+          <a:fillRef idx="1">
+            <a:schemeClr val="accent1"/>
+          </a:fillRef>
+          <a:effectRef idx="0">
+            <a:schemeClr val="accent1"/>
+          </a:effectRef>
+          <a:fontRef idx="minor">
+            <a:schemeClr val="lt1"/>
+          </a:fontRef>
+        </p:style>
+        <p:txBody>
+          <a:bodyPr lIns="0" tIns="0" rIns="0" bIns="0" rtlCol="0" anchor="t"/>
+          <a:lstStyle/>
+          <a:p>
+            <a:pPr algn="ctr"/>
+            <a:r>
+              <a:rPr lang="en-US" sz="1400" dirty="0"/>
+              <a:t>12</a:t>
+            </a:r>
+          </a:p>
+          <a:p>
+            <a:pPr algn="ctr"/>
+            <a:endParaRPr lang="en-US" sz="1400" dirty="0"/>
+          </a:p>
+        </p:txBody>
+      </p:sp>
+      <p:sp>
+        <p:nvSpPr>
+          <p:cNvPr id="456" name="TextBox 455">
+            <a:extLst>
+              <a:ext uri="{FF2B5EF4-FFF2-40B4-BE49-F238E27FC236}">
+                <a16:creationId xmlns:a16="http://schemas.microsoft.com/office/drawing/2014/main" id="{FC8C6974-6787-24A5-DAA6-8CB6D4EDD2AF}"/>
+              </a:ext>
+            </a:extLst>
+          </p:cNvPr>
+          <p:cNvSpPr txBox="1"/>
+          <p:nvPr/>
+        </p:nvSpPr>
+        <p:spPr>
+          <a:xfrm>
+            <a:off x="431914" y="1466270"/>
+            <a:ext cx="1355499" cy="369332"/>
+          </a:xfrm>
+          <a:prstGeom prst="rect">
+            <a:avLst/>
+          </a:prstGeom>
+          <a:noFill/>
+        </p:spPr>
+        <p:txBody>
+          <a:bodyPr wrap="none" rtlCol="0">
+            <a:spAutoFit/>
+          </a:bodyPr>
+          <a:lstStyle/>
+          <a:p>
+            <a:r>
+              <a:rPr lang="en-US" dirty="0">
+                <a:latin typeface="Avenir Book" panose="02000503020000020003" pitchFamily="2" charset="0"/>
+              </a:rPr>
+              <a:t>Short reads</a:t>
+            </a:r>
+          </a:p>
+        </p:txBody>
+      </p:sp>
+      <p:pic>
+        <p:nvPicPr>
+          <p:cNvPr id="501" name="Graphic 500">
+            <a:extLst>
+              <a:ext uri="{FF2B5EF4-FFF2-40B4-BE49-F238E27FC236}">
+                <a16:creationId xmlns:a16="http://schemas.microsoft.com/office/drawing/2014/main" id="{2C85DDDC-5C10-86D1-251E-16991CB35272}"/>
+              </a:ext>
+            </a:extLst>
+          </p:cNvPr>
+          <p:cNvPicPr>
+            <a:picLocks noChangeAspect="1"/>
+          </p:cNvPicPr>
+          <p:nvPr/>
+        </p:nvPicPr>
+        <p:blipFill>
+          <a:blip r:embed="rId10">
+            <a:extLst>
+              <a:ext uri="{96DAC541-7B7A-43D3-8B79-37D633B846F1}">
+                <asvg:svgBlip xmlns:asvg="http://schemas.microsoft.com/office/drawing/2016/SVG/main" r:embed="rId11"/>
+              </a:ext>
+            </a:extLst>
+          </a:blip>
+          <a:stretch>
+            <a:fillRect/>
+          </a:stretch>
+        </p:blipFill>
+        <p:spPr>
+          <a:xfrm>
+            <a:off x="11040650" y="199641"/>
+            <a:ext cx="906023" cy="1080000"/>
+          </a:xfrm>
+          <a:prstGeom prst="rect">
+            <a:avLst/>
+          </a:prstGeom>
+        </p:spPr>
+      </p:pic>
+      <p:pic>
+        <p:nvPicPr>
+          <p:cNvPr id="503" name="Graphic 502">
+            <a:extLst>
+              <a:ext uri="{FF2B5EF4-FFF2-40B4-BE49-F238E27FC236}">
+                <a16:creationId xmlns:a16="http://schemas.microsoft.com/office/drawing/2014/main" id="{2397B3B4-719B-4F43-A9C6-0205A87A54B5}"/>
+              </a:ext>
+            </a:extLst>
+          </p:cNvPr>
+          <p:cNvPicPr>
+            <a:picLocks noChangeAspect="1"/>
+          </p:cNvPicPr>
+          <p:nvPr/>
+        </p:nvPicPr>
+        <p:blipFill>
+          <a:blip r:embed="rId12">
+            <a:extLst>
+              <a:ext uri="{96DAC541-7B7A-43D3-8B79-37D633B846F1}">
+                <asvg:svgBlip xmlns:asvg="http://schemas.microsoft.com/office/drawing/2016/SVG/main" r:embed="rId13"/>
+              </a:ext>
+            </a:extLst>
+          </a:blip>
+          <a:stretch>
+            <a:fillRect/>
+          </a:stretch>
+        </p:blipFill>
+        <p:spPr>
+          <a:xfrm>
+            <a:off x="10101524" y="3047896"/>
+            <a:ext cx="909402" cy="1080000"/>
+          </a:xfrm>
+          <a:prstGeom prst="rect">
+            <a:avLst/>
+          </a:prstGeom>
+        </p:spPr>
+      </p:pic>
+      <p:pic>
+        <p:nvPicPr>
+          <p:cNvPr id="505" name="Graphic 504">
+            <a:extLst>
+              <a:ext uri="{FF2B5EF4-FFF2-40B4-BE49-F238E27FC236}">
+                <a16:creationId xmlns:a16="http://schemas.microsoft.com/office/drawing/2014/main" id="{D773102E-ED44-41A6-7E48-6AD4712F01F4}"/>
+              </a:ext>
+            </a:extLst>
+          </p:cNvPr>
+          <p:cNvPicPr>
+            <a:picLocks noChangeAspect="1"/>
+          </p:cNvPicPr>
+          <p:nvPr/>
+        </p:nvPicPr>
+        <p:blipFill>
+          <a:blip r:embed="rId14">
+            <a:extLst>
+              <a:ext uri="{96DAC541-7B7A-43D3-8B79-37D633B846F1}">
+                <asvg:svgBlip xmlns:asvg="http://schemas.microsoft.com/office/drawing/2016/SVG/main" r:embed="rId15"/>
+              </a:ext>
+            </a:extLst>
+          </a:blip>
+          <a:stretch>
+            <a:fillRect/>
+          </a:stretch>
+        </p:blipFill>
+        <p:spPr>
+          <a:xfrm>
+            <a:off x="10101524" y="199641"/>
+            <a:ext cx="909402" cy="1080000"/>
+          </a:xfrm>
+          <a:prstGeom prst="rect">
+            <a:avLst/>
+          </a:prstGeom>
+        </p:spPr>
+      </p:pic>
+      <p:pic>
+        <p:nvPicPr>
+          <p:cNvPr id="507" name="Graphic 506">
+            <a:extLst>
+              <a:ext uri="{FF2B5EF4-FFF2-40B4-BE49-F238E27FC236}">
+                <a16:creationId xmlns:a16="http://schemas.microsoft.com/office/drawing/2014/main" id="{C9A5031B-681C-A21B-CDE9-C0D4AEC07D0F}"/>
+              </a:ext>
+            </a:extLst>
+          </p:cNvPr>
+          <p:cNvPicPr>
+            <a:picLocks noChangeAspect="1"/>
+          </p:cNvPicPr>
+          <p:nvPr/>
+        </p:nvPicPr>
+        <p:blipFill>
+          <a:blip r:embed="rId16">
+            <a:extLst>
+              <a:ext uri="{96DAC541-7B7A-43D3-8B79-37D633B846F1}">
+                <asvg:svgBlip xmlns:asvg="http://schemas.microsoft.com/office/drawing/2016/SVG/main" r:embed="rId17"/>
+              </a:ext>
+            </a:extLst>
+          </a:blip>
+          <a:stretch>
+            <a:fillRect/>
+          </a:stretch>
+        </p:blipFill>
+        <p:spPr>
+          <a:xfrm>
+            <a:off x="10101524" y="1623769"/>
+            <a:ext cx="909402" cy="1080000"/>
+          </a:xfrm>
+          <a:prstGeom prst="rect">
+            <a:avLst/>
+          </a:prstGeom>
+        </p:spPr>
+      </p:pic>
+      <p:pic>
+        <p:nvPicPr>
+          <p:cNvPr id="509" name="Graphic 508">
+            <a:extLst>
+              <a:ext uri="{FF2B5EF4-FFF2-40B4-BE49-F238E27FC236}">
+                <a16:creationId xmlns:a16="http://schemas.microsoft.com/office/drawing/2014/main" id="{9CF40E7F-1833-7353-884D-2F19146761F8}"/>
+              </a:ext>
+            </a:extLst>
+          </p:cNvPr>
+          <p:cNvPicPr>
+            <a:picLocks noChangeAspect="1"/>
+          </p:cNvPicPr>
+          <p:nvPr/>
+        </p:nvPicPr>
+        <p:blipFill>
+          <a:blip r:embed="rId18">
+            <a:extLst>
+              <a:ext uri="{96DAC541-7B7A-43D3-8B79-37D633B846F1}">
+                <asvg:svgBlip xmlns:asvg="http://schemas.microsoft.com/office/drawing/2016/SVG/main" r:embed="rId19"/>
+              </a:ext>
+            </a:extLst>
+          </a:blip>
+          <a:stretch>
+            <a:fillRect/>
+          </a:stretch>
+        </p:blipFill>
+        <p:spPr>
+          <a:xfrm>
+            <a:off x="4911151" y="4810989"/>
+            <a:ext cx="909402" cy="1080000"/>
+          </a:xfrm>
+          <a:prstGeom prst="rect">
+            <a:avLst/>
+          </a:prstGeom>
+        </p:spPr>
+      </p:pic>
+      <p:pic>
+        <p:nvPicPr>
+          <p:cNvPr id="511" name="Graphic 510">
+            <a:extLst>
+              <a:ext uri="{FF2B5EF4-FFF2-40B4-BE49-F238E27FC236}">
+                <a16:creationId xmlns:a16="http://schemas.microsoft.com/office/drawing/2014/main" id="{A0DB6E4A-C118-B83E-8932-55F82264DEBE}"/>
+              </a:ext>
+            </a:extLst>
+          </p:cNvPr>
+          <p:cNvPicPr>
+            <a:picLocks noChangeAspect="1"/>
+          </p:cNvPicPr>
+          <p:nvPr/>
+        </p:nvPicPr>
+        <p:blipFill>
+          <a:blip r:embed="rId10">
+            <a:extLst>
+              <a:ext uri="{96DAC541-7B7A-43D3-8B79-37D633B846F1}">
+                <asvg:svgBlip xmlns:asvg="http://schemas.microsoft.com/office/drawing/2016/SVG/main" r:embed="rId11"/>
+              </a:ext>
+            </a:extLst>
+          </a:blip>
+          <a:stretch>
+            <a:fillRect/>
+          </a:stretch>
+        </p:blipFill>
+        <p:spPr>
+          <a:xfrm>
+            <a:off x="11040650" y="1623769"/>
+            <a:ext cx="906023" cy="1080000"/>
+          </a:xfrm>
+          <a:prstGeom prst="rect">
+            <a:avLst/>
+          </a:prstGeom>
+        </p:spPr>
+      </p:pic>
+      <p:pic>
+        <p:nvPicPr>
+          <p:cNvPr id="526" name="Graphic 525">
+            <a:extLst>
+              <a:ext uri="{FF2B5EF4-FFF2-40B4-BE49-F238E27FC236}">
+                <a16:creationId xmlns:a16="http://schemas.microsoft.com/office/drawing/2014/main" id="{C283B590-D5F2-1B49-8445-FF1FDA7602F2}"/>
+              </a:ext>
+            </a:extLst>
+          </p:cNvPr>
+          <p:cNvPicPr>
+            <a:picLocks noChangeAspect="1"/>
+          </p:cNvPicPr>
+          <p:nvPr/>
+        </p:nvPicPr>
+        <p:blipFill>
+          <a:blip r:embed="rId10">
+            <a:extLst>
+              <a:ext uri="{96DAC541-7B7A-43D3-8B79-37D633B846F1}">
+                <asvg:svgBlip xmlns:asvg="http://schemas.microsoft.com/office/drawing/2016/SVG/main" r:embed="rId11"/>
+              </a:ext>
+            </a:extLst>
+          </a:blip>
+          <a:stretch>
+            <a:fillRect/>
+          </a:stretch>
+        </p:blipFill>
+        <p:spPr>
+          <a:xfrm>
+            <a:off x="11040650" y="3047896"/>
+            <a:ext cx="906023" cy="1080000"/>
+          </a:xfrm>
+          <a:prstGeom prst="rect">
+            <a:avLst/>
+          </a:prstGeom>
+        </p:spPr>
+      </p:pic>
+      <p:sp>
+        <p:nvSpPr>
+          <p:cNvPr id="527" name="TextBox 526">
+            <a:extLst>
+              <a:ext uri="{FF2B5EF4-FFF2-40B4-BE49-F238E27FC236}">
+                <a16:creationId xmlns:a16="http://schemas.microsoft.com/office/drawing/2014/main" id="{393CA4C3-EFFB-EE95-A0DF-5AC24778EB45}"/>
+              </a:ext>
+            </a:extLst>
+          </p:cNvPr>
+          <p:cNvSpPr txBox="1"/>
+          <p:nvPr/>
+        </p:nvSpPr>
+        <p:spPr>
+          <a:xfrm>
+            <a:off x="6205592" y="4156982"/>
+            <a:ext cx="1138548" cy="408623"/>
+          </a:xfrm>
+          <a:prstGeom prst="roundRect">
+            <a:avLst/>
+          </a:prstGeom>
+          <a:noFill/>
+          <a:ln>
+            <a:solidFill>
+              <a:srgbClr val="075353"/>
+            </a:solidFill>
+          </a:ln>
+        </p:spPr>
+        <p:txBody>
+          <a:bodyPr wrap="square" rtlCol="0">
+            <a:spAutoFit/>
+          </a:bodyPr>
+          <a:lstStyle/>
+          <a:p>
+            <a:pPr algn="ctr"/>
+            <a:r>
+              <a:rPr lang="en-US" b="1" i="1" dirty="0">
+                <a:latin typeface="Avenir Book" panose="02000503020000020003" pitchFamily="2" charset="0"/>
+              </a:rPr>
+              <a:t>splitting</a:t>
+            </a:r>
+          </a:p>
+        </p:txBody>
+      </p:sp>
+      <p:cxnSp>
+        <p:nvCxnSpPr>
+          <p:cNvPr id="528" name="Straight Connector 527">
+            <a:extLst>
+              <a:ext uri="{FF2B5EF4-FFF2-40B4-BE49-F238E27FC236}">
+                <a16:creationId xmlns:a16="http://schemas.microsoft.com/office/drawing/2014/main" id="{855327C5-08F1-1291-592B-EAB404702B5F}"/>
+              </a:ext>
+            </a:extLst>
+          </p:cNvPr>
+          <p:cNvCxnSpPr>
+            <a:cxnSpLocks/>
+            <a:stCxn id="65" idx="4"/>
+            <a:endCxn id="527" idx="0"/>
+          </p:cNvCxnSpPr>
+          <p:nvPr/>
+        </p:nvCxnSpPr>
+        <p:spPr>
+          <a:xfrm flipH="1">
+            <a:off x="6774866" y="2641723"/>
+            <a:ext cx="578999" cy="1515259"/>
+          </a:xfrm>
+          <a:prstGeom prst="line">
+            <a:avLst/>
+          </a:prstGeom>
+          <a:ln>
+            <a:solidFill>
+              <a:srgbClr val="075353"/>
+            </a:solidFill>
+          </a:ln>
+        </p:spPr>
+        <p:style>
+          <a:lnRef idx="1">
+            <a:schemeClr val="accent1"/>
+          </a:lnRef>
+          <a:fillRef idx="0">
+            <a:schemeClr val="accent1"/>
+          </a:fillRef>
+          <a:effectRef idx="0">
+            <a:schemeClr val="accent1"/>
+          </a:effectRef>
+          <a:fontRef idx="minor">
+            <a:schemeClr val="tx1"/>
+          </a:fontRef>
+        </p:style>
+      </p:cxnSp>
+      <p:pic>
+        <p:nvPicPr>
+          <p:cNvPr id="540" name="Graphic 539">
+            <a:extLst>
+              <a:ext uri="{FF2B5EF4-FFF2-40B4-BE49-F238E27FC236}">
+                <a16:creationId xmlns:a16="http://schemas.microsoft.com/office/drawing/2014/main" id="{157E9239-1A70-085D-59FA-0965FD0460B3}"/>
+              </a:ext>
+            </a:extLst>
+          </p:cNvPr>
+          <p:cNvPicPr>
+            <a:picLocks noChangeAspect="1"/>
+          </p:cNvPicPr>
+          <p:nvPr/>
+        </p:nvPicPr>
+        <p:blipFill>
+          <a:blip r:embed="rId20">
+            <a:extLst>
+              <a:ext uri="{96DAC541-7B7A-43D3-8B79-37D633B846F1}">
+                <asvg:svgBlip xmlns:asvg="http://schemas.microsoft.com/office/drawing/2016/SVG/main" r:embed="rId21"/>
+              </a:ext>
+            </a:extLst>
+          </a:blip>
+          <a:stretch>
+            <a:fillRect/>
+          </a:stretch>
+        </p:blipFill>
+        <p:spPr>
+          <a:xfrm>
+            <a:off x="4911151" y="3529550"/>
+            <a:ext cx="906022" cy="1080000"/>
+          </a:xfrm>
+          <a:prstGeom prst="rect">
+            <a:avLst/>
+          </a:prstGeom>
+        </p:spPr>
+      </p:pic>
+      <p:pic>
+        <p:nvPicPr>
+          <p:cNvPr id="545" name="Graphic 544">
+            <a:extLst>
+              <a:ext uri="{FF2B5EF4-FFF2-40B4-BE49-F238E27FC236}">
+                <a16:creationId xmlns:a16="http://schemas.microsoft.com/office/drawing/2014/main" id="{CE47F07A-4073-3418-0BB6-EA2889D59911}"/>
+              </a:ext>
+            </a:extLst>
+          </p:cNvPr>
+          <p:cNvPicPr>
+            <a:picLocks noChangeAspect="1"/>
+          </p:cNvPicPr>
+          <p:nvPr/>
+        </p:nvPicPr>
+        <p:blipFill>
+          <a:blip r:embed="rId22">
+            <a:extLst>
+              <a:ext uri="{96DAC541-7B7A-43D3-8B79-37D633B846F1}">
+                <asvg:svgBlip xmlns:asvg="http://schemas.microsoft.com/office/drawing/2016/SVG/main" r:embed="rId23"/>
+              </a:ext>
+            </a:extLst>
+          </a:blip>
+          <a:stretch>
+            <a:fillRect/>
+          </a:stretch>
+        </p:blipFill>
+        <p:spPr>
+          <a:xfrm>
+            <a:off x="11167467" y="5558884"/>
+            <a:ext cx="909403" cy="1080000"/>
+          </a:xfrm>
+          <a:prstGeom prst="rect">
+            <a:avLst/>
+          </a:prstGeom>
+        </p:spPr>
+      </p:pic>
+      <p:pic>
+        <p:nvPicPr>
+          <p:cNvPr id="547" name="Graphic 546">
+            <a:extLst>
+              <a:ext uri="{FF2B5EF4-FFF2-40B4-BE49-F238E27FC236}">
+                <a16:creationId xmlns:a16="http://schemas.microsoft.com/office/drawing/2014/main" id="{CF30165C-0CA5-41D4-C5D7-4D6AE2ADC8B1}"/>
+              </a:ext>
+            </a:extLst>
+          </p:cNvPr>
+          <p:cNvPicPr>
+            <a:picLocks noChangeAspect="1"/>
+          </p:cNvPicPr>
+          <p:nvPr/>
+        </p:nvPicPr>
+        <p:blipFill>
+          <a:blip r:embed="rId24">
+            <a:extLst>
+              <a:ext uri="{96DAC541-7B7A-43D3-8B79-37D633B846F1}">
+                <asvg:svgBlip xmlns:asvg="http://schemas.microsoft.com/office/drawing/2016/SVG/main" r:embed="rId25"/>
+              </a:ext>
+            </a:extLst>
+          </a:blip>
+          <a:stretch>
+            <a:fillRect/>
+          </a:stretch>
+        </p:blipFill>
+        <p:spPr>
+          <a:xfrm>
+            <a:off x="10287608" y="5558884"/>
+            <a:ext cx="904901" cy="1080000"/>
+          </a:xfrm>
+          <a:prstGeom prst="rect">
+            <a:avLst/>
+          </a:prstGeom>
+        </p:spPr>
+      </p:pic>
+      <p:pic>
+        <p:nvPicPr>
+          <p:cNvPr id="549" name="Graphic 548">
+            <a:extLst>
+              <a:ext uri="{FF2B5EF4-FFF2-40B4-BE49-F238E27FC236}">
+                <a16:creationId xmlns:a16="http://schemas.microsoft.com/office/drawing/2014/main" id="{0FB7FAEB-CAE5-4C09-C42F-857520408367}"/>
+              </a:ext>
+            </a:extLst>
+          </p:cNvPr>
+          <p:cNvPicPr>
+            <a:picLocks noChangeAspect="1"/>
+          </p:cNvPicPr>
+          <p:nvPr/>
+        </p:nvPicPr>
+        <p:blipFill>
+          <a:blip r:embed="rId26">
+            <a:extLst>
+              <a:ext uri="{96DAC541-7B7A-43D3-8B79-37D633B846F1}">
+                <asvg:svgBlip xmlns:asvg="http://schemas.microsoft.com/office/drawing/2016/SVG/main" r:embed="rId27"/>
+              </a:ext>
+            </a:extLst>
+          </a:blip>
+          <a:stretch>
+            <a:fillRect/>
+          </a:stretch>
+        </p:blipFill>
+        <p:spPr>
+          <a:xfrm>
+            <a:off x="9403247" y="5558884"/>
+            <a:ext cx="909403" cy="1080000"/>
+          </a:xfrm>
+          <a:prstGeom prst="rect">
+            <a:avLst/>
+          </a:prstGeom>
+        </p:spPr>
+      </p:pic>
+      <p:cxnSp>
+        <p:nvCxnSpPr>
+          <p:cNvPr id="554" name="Straight Connector 553">
+            <a:extLst>
+              <a:ext uri="{FF2B5EF4-FFF2-40B4-BE49-F238E27FC236}">
+                <a16:creationId xmlns:a16="http://schemas.microsoft.com/office/drawing/2014/main" id="{33555A61-18DF-C14D-AA27-8D1078F313D3}"/>
+              </a:ext>
+            </a:extLst>
+          </p:cNvPr>
+          <p:cNvCxnSpPr>
+            <a:cxnSpLocks/>
+            <a:stCxn id="374" idx="5"/>
+          </p:cNvCxnSpPr>
+          <p:nvPr/>
+        </p:nvCxnSpPr>
+        <p:spPr>
+          <a:xfrm>
+            <a:off x="9094007" y="5391202"/>
+            <a:ext cx="287139" cy="356551"/>
+          </a:xfrm>
+          <a:prstGeom prst="line">
+            <a:avLst/>
+          </a:prstGeom>
+          <a:ln w="88900" cap="rnd">
+            <a:solidFill>
+              <a:srgbClr val="00C0C0"/>
+            </a:solidFill>
+            <a:round/>
+            <a:tailEnd type="oval"/>
+          </a:ln>
+        </p:spPr>
+        <p:style>
+          <a:lnRef idx="1">
+            <a:schemeClr val="accent1"/>
+          </a:lnRef>
+          <a:fillRef idx="0">
+            <a:schemeClr val="accent1"/>
+          </a:fillRef>
+          <a:effectRef idx="0">
+            <a:schemeClr val="accent1"/>
+          </a:effectRef>
+          <a:fontRef idx="minor">
+            <a:schemeClr val="tx1"/>
+          </a:fontRef>
+        </p:style>
+      </p:cxnSp>
+      <p:sp>
+        <p:nvSpPr>
+          <p:cNvPr id="374" name="Oval 373">
+            <a:extLst>
+              <a:ext uri="{FF2B5EF4-FFF2-40B4-BE49-F238E27FC236}">
+                <a16:creationId xmlns:a16="http://schemas.microsoft.com/office/drawing/2014/main" id="{C71BFB14-0916-D416-7147-C4DF1362797A}"/>
+              </a:ext>
+            </a:extLst>
+          </p:cNvPr>
+          <p:cNvSpPr>
+            <a:spLocks noChangeAspect="1"/>
+          </p:cNvSpPr>
+          <p:nvPr/>
+        </p:nvSpPr>
+        <p:spPr>
+          <a:xfrm>
+            <a:off x="8846234" y="5145379"/>
+            <a:ext cx="290284" cy="288000"/>
+          </a:xfrm>
+          <a:prstGeom prst="ellipse">
+            <a:avLst/>
+          </a:prstGeom>
+          <a:solidFill>
+            <a:srgbClr val="075353"/>
+          </a:solidFill>
+          <a:ln>
+            <a:noFill/>
+          </a:ln>
+        </p:spPr>
+        <p:style>
+          <a:lnRef idx="2">
+            <a:schemeClr val="accent1">
+              <a:shade val="15000"/>
+            </a:schemeClr>
+          </a:lnRef>
+          <a:fillRef idx="1">
+            <a:schemeClr val="accent1"/>
+          </a:fillRef>
+          <a:effectRef idx="0">
+            <a:schemeClr val="accent1"/>
+          </a:effectRef>
+          <a:fontRef idx="minor">
+            <a:schemeClr val="lt1"/>
+          </a:fontRef>
+        </p:style>
+        <p:txBody>
+          <a:bodyPr lIns="0" tIns="0" rIns="0" bIns="0" rtlCol="0" anchor="ctr"/>
+          <a:lstStyle/>
+          <a:p>
+            <a:pPr algn="ctr"/>
+            <a:r>
+              <a:rPr lang="en-US" sz="1400" dirty="0"/>
+              <a:t>13</a:t>
+            </a:r>
+          </a:p>
+        </p:txBody>
+      </p:sp>
+      <p:sp>
+        <p:nvSpPr>
+          <p:cNvPr id="569" name="Oval 568">
+            <a:extLst>
+              <a:ext uri="{FF2B5EF4-FFF2-40B4-BE49-F238E27FC236}">
+                <a16:creationId xmlns:a16="http://schemas.microsoft.com/office/drawing/2014/main" id="{FE8F5157-713F-69D5-8A30-66CB5F34A4FD}"/>
+              </a:ext>
+            </a:extLst>
+          </p:cNvPr>
+          <p:cNvSpPr>
+            <a:spLocks noChangeAspect="1"/>
+          </p:cNvSpPr>
+          <p:nvPr/>
+        </p:nvSpPr>
+        <p:spPr>
+          <a:xfrm>
+            <a:off x="4723529" y="1162447"/>
+            <a:ext cx="290284" cy="288000"/>
+          </a:xfrm>
+          <a:prstGeom prst="ellipse">
+            <a:avLst/>
+          </a:prstGeom>
+          <a:solidFill>
+            <a:srgbClr val="075353"/>
+          </a:solidFill>
+          <a:ln>
+            <a:noFill/>
+          </a:ln>
+        </p:spPr>
+        <p:style>
+          <a:lnRef idx="2">
+            <a:schemeClr val="accent1">
+              <a:shade val="15000"/>
+            </a:schemeClr>
+          </a:lnRef>
+          <a:fillRef idx="1">
+            <a:schemeClr val="accent1"/>
+          </a:fillRef>
+          <a:effectRef idx="0">
+            <a:schemeClr val="accent1"/>
+          </a:effectRef>
+          <a:fontRef idx="minor">
+            <a:schemeClr val="lt1"/>
+          </a:fontRef>
+        </p:style>
+        <p:txBody>
+          <a:bodyPr rtlCol="0" anchor="ctr"/>
+          <a:lstStyle/>
+          <a:p>
+            <a:pPr algn="ctr"/>
+            <a:r>
+              <a:rPr lang="en-US" dirty="0"/>
+              <a:t>5</a:t>
+            </a:r>
+          </a:p>
+        </p:txBody>
+      </p:sp>
+      <p:sp>
+        <p:nvSpPr>
+          <p:cNvPr id="570" name="Oval 569">
+            <a:extLst>
+              <a:ext uri="{FF2B5EF4-FFF2-40B4-BE49-F238E27FC236}">
+                <a16:creationId xmlns:a16="http://schemas.microsoft.com/office/drawing/2014/main" id="{AE810641-71A4-7B4C-6F01-BCBA170CE77D}"/>
+              </a:ext>
+            </a:extLst>
+          </p:cNvPr>
+          <p:cNvSpPr>
+            <a:spLocks noChangeAspect="1"/>
+          </p:cNvSpPr>
+          <p:nvPr/>
+        </p:nvSpPr>
+        <p:spPr>
+          <a:xfrm>
+            <a:off x="6108544" y="1162447"/>
+            <a:ext cx="290284" cy="288000"/>
+          </a:xfrm>
+          <a:prstGeom prst="ellipse">
+            <a:avLst/>
+          </a:prstGeom>
+          <a:solidFill>
+            <a:srgbClr val="075353"/>
+          </a:solidFill>
+          <a:ln>
+            <a:noFill/>
+          </a:ln>
+        </p:spPr>
+        <p:style>
+          <a:lnRef idx="2">
+            <a:schemeClr val="accent1">
+              <a:shade val="15000"/>
+            </a:schemeClr>
+          </a:lnRef>
+          <a:fillRef idx="1">
+            <a:schemeClr val="accent1"/>
+          </a:fillRef>
+          <a:effectRef idx="0">
+            <a:schemeClr val="accent1"/>
+          </a:effectRef>
+          <a:fontRef idx="minor">
+            <a:schemeClr val="lt1"/>
+          </a:fontRef>
+        </p:style>
+        <p:txBody>
+          <a:bodyPr rtlCol="0" anchor="ctr"/>
+          <a:lstStyle/>
+          <a:p>
+            <a:pPr algn="ctr"/>
+            <a:r>
+              <a:rPr lang="en-US" dirty="0"/>
+              <a:t>6</a:t>
+            </a:r>
+          </a:p>
+        </p:txBody>
+      </p:sp>
+      <p:sp>
+        <p:nvSpPr>
+          <p:cNvPr id="571" name="Oval 570">
+            <a:extLst>
+              <a:ext uri="{FF2B5EF4-FFF2-40B4-BE49-F238E27FC236}">
+                <a16:creationId xmlns:a16="http://schemas.microsoft.com/office/drawing/2014/main" id="{94466F36-0354-3930-57CE-55032CC9E434}"/>
+              </a:ext>
+            </a:extLst>
+          </p:cNvPr>
+          <p:cNvSpPr>
+            <a:spLocks noChangeAspect="1"/>
+          </p:cNvSpPr>
+          <p:nvPr/>
+        </p:nvSpPr>
+        <p:spPr>
+          <a:xfrm>
+            <a:off x="6558869" y="2981538"/>
+            <a:ext cx="290284" cy="288000"/>
+          </a:xfrm>
+          <a:prstGeom prst="ellipse">
+            <a:avLst/>
+          </a:prstGeom>
+          <a:solidFill>
+            <a:srgbClr val="075353"/>
+          </a:solidFill>
+          <a:ln>
+            <a:noFill/>
+          </a:ln>
+        </p:spPr>
+        <p:style>
+          <a:lnRef idx="2">
+            <a:schemeClr val="accent1">
+              <a:shade val="15000"/>
+            </a:schemeClr>
+          </a:lnRef>
+          <a:fillRef idx="1">
+            <a:schemeClr val="accent1"/>
+          </a:fillRef>
+          <a:effectRef idx="0">
+            <a:schemeClr val="accent1"/>
+          </a:effectRef>
+          <a:fontRef idx="minor">
+            <a:schemeClr val="lt1"/>
+          </a:fontRef>
+        </p:style>
+        <p:txBody>
+          <a:bodyPr rtlCol="0" anchor="ctr"/>
+          <a:lstStyle/>
+          <a:p>
+            <a:pPr algn="ctr"/>
+            <a:r>
+              <a:rPr lang="en-US" dirty="0"/>
+              <a:t>7</a:t>
+            </a:r>
+          </a:p>
+        </p:txBody>
+      </p:sp>
+      <p:sp>
+        <p:nvSpPr>
+          <p:cNvPr id="3" name="TextBox 2">
+            <a:extLst>
+              <a:ext uri="{FF2B5EF4-FFF2-40B4-BE49-F238E27FC236}">
+                <a16:creationId xmlns:a16="http://schemas.microsoft.com/office/drawing/2014/main" id="{FEAC9F25-3D9C-5B86-3194-D5506B9B93B1}"/>
+              </a:ext>
+            </a:extLst>
+          </p:cNvPr>
+          <p:cNvSpPr txBox="1"/>
+          <p:nvPr/>
+        </p:nvSpPr>
+        <p:spPr>
+          <a:xfrm rot="18890675">
+            <a:off x="7540400" y="1532719"/>
+            <a:ext cx="843501" cy="369332"/>
+          </a:xfrm>
+          <a:prstGeom prst="rect">
+            <a:avLst/>
+          </a:prstGeom>
+          <a:noFill/>
+        </p:spPr>
+        <p:txBody>
+          <a:bodyPr wrap="none" rtlCol="0">
+            <a:spAutoFit/>
+          </a:bodyPr>
+          <a:lstStyle/>
+          <a:p>
+            <a:r>
+              <a:rPr lang="en-US" dirty="0">
+                <a:latin typeface="Avenir Book" panose="02000503020000020003" pitchFamily="2" charset="0"/>
+              </a:rPr>
+              <a:t>phage</a:t>
+            </a:r>
+          </a:p>
+        </p:txBody>
+      </p:sp>
+      <p:cxnSp>
+        <p:nvCxnSpPr>
+          <p:cNvPr id="13" name="Straight Connector 12">
+            <a:extLst>
+              <a:ext uri="{FF2B5EF4-FFF2-40B4-BE49-F238E27FC236}">
+                <a16:creationId xmlns:a16="http://schemas.microsoft.com/office/drawing/2014/main" id="{EA9ED06A-8ED3-B849-77AA-BC55A900FD1B}"/>
+              </a:ext>
+            </a:extLst>
+          </p:cNvPr>
+          <p:cNvCxnSpPr>
+            <a:cxnSpLocks/>
+          </p:cNvCxnSpPr>
+          <p:nvPr/>
+        </p:nvCxnSpPr>
+        <p:spPr>
+          <a:xfrm>
+            <a:off x="8017822" y="3861665"/>
+            <a:ext cx="425551" cy="0"/>
+          </a:xfrm>
+          <a:prstGeom prst="line">
+            <a:avLst/>
+          </a:prstGeom>
+          <a:ln w="88900" cap="rnd">
+            <a:solidFill>
+              <a:srgbClr val="00C0C0"/>
+            </a:solidFill>
+            <a:round/>
+          </a:ln>
+        </p:spPr>
+        <p:style>
+          <a:lnRef idx="1">
+            <a:schemeClr val="accent1"/>
+          </a:lnRef>
+          <a:fillRef idx="0">
+            <a:schemeClr val="accent1"/>
+          </a:fillRef>
+          <a:effectRef idx="0">
+            <a:schemeClr val="accent1"/>
+          </a:effectRef>
+          <a:fontRef idx="minor">
+            <a:schemeClr val="tx1"/>
+          </a:fontRef>
+        </p:style>
+      </p:cxnSp>
+      <p:sp>
+        <p:nvSpPr>
+          <p:cNvPr id="18" name="TextBox 17">
+            <a:extLst>
+              <a:ext uri="{FF2B5EF4-FFF2-40B4-BE49-F238E27FC236}">
+                <a16:creationId xmlns:a16="http://schemas.microsoft.com/office/drawing/2014/main" id="{D739DBB5-EB1D-FEB3-74C0-CF2D2F6D5610}"/>
+              </a:ext>
+            </a:extLst>
+          </p:cNvPr>
+          <p:cNvSpPr txBox="1"/>
+          <p:nvPr/>
+        </p:nvSpPr>
+        <p:spPr>
+          <a:xfrm>
+            <a:off x="7719674" y="2153170"/>
+            <a:ext cx="994183" cy="369332"/>
+          </a:xfrm>
+          <a:prstGeom prst="rect">
+            <a:avLst/>
+          </a:prstGeom>
+          <a:noFill/>
+        </p:spPr>
+        <p:txBody>
+          <a:bodyPr wrap="none" rtlCol="0">
+            <a:spAutoFit/>
+          </a:bodyPr>
+          <a:lstStyle/>
+          <a:p>
+            <a:r>
+              <a:rPr lang="en-US" dirty="0">
+                <a:latin typeface="Avenir Book" panose="02000503020000020003" pitchFamily="2" charset="0"/>
+              </a:rPr>
+              <a:t>plasmid</a:t>
+            </a:r>
+          </a:p>
+        </p:txBody>
+      </p:sp>
+      <p:sp>
+        <p:nvSpPr>
+          <p:cNvPr id="99" name="Oval 98">
+            <a:extLst>
+              <a:ext uri="{FF2B5EF4-FFF2-40B4-BE49-F238E27FC236}">
+                <a16:creationId xmlns:a16="http://schemas.microsoft.com/office/drawing/2014/main" id="{F851BA4F-1251-77B2-815E-B3BED17FB7D7}"/>
+              </a:ext>
+            </a:extLst>
+          </p:cNvPr>
+          <p:cNvSpPr>
+            <a:spLocks noChangeAspect="1"/>
+          </p:cNvSpPr>
+          <p:nvPr/>
+        </p:nvSpPr>
+        <p:spPr>
+          <a:xfrm>
+            <a:off x="8356070" y="3698004"/>
+            <a:ext cx="290284" cy="288000"/>
+          </a:xfrm>
+          <a:prstGeom prst="ellipse">
+            <a:avLst/>
+          </a:prstGeom>
+          <a:solidFill>
+            <a:srgbClr val="075353"/>
+          </a:solidFill>
+          <a:ln>
+            <a:noFill/>
+          </a:ln>
+        </p:spPr>
+        <p:style>
+          <a:lnRef idx="2">
+            <a:schemeClr val="accent1">
+              <a:shade val="15000"/>
+            </a:schemeClr>
+          </a:lnRef>
+          <a:fillRef idx="1">
+            <a:schemeClr val="accent1"/>
+          </a:fillRef>
+          <a:effectRef idx="0">
+            <a:schemeClr val="accent1"/>
+          </a:effectRef>
+          <a:fontRef idx="minor">
+            <a:schemeClr val="lt1"/>
+          </a:fontRef>
+        </p:style>
+        <p:txBody>
+          <a:bodyPr lIns="0" tIns="0" rIns="0" bIns="0" rtlCol="0" anchor="ctr"/>
+          <a:lstStyle/>
+          <a:p>
+            <a:pPr algn="ctr"/>
+            <a:r>
+              <a:rPr lang="en-US" sz="1400" dirty="0"/>
+              <a:t>11</a:t>
+            </a:r>
+          </a:p>
+        </p:txBody>
+      </p:sp>
+      <p:sp>
+        <p:nvSpPr>
+          <p:cNvPr id="19" name="TextBox 18">
+            <a:extLst>
+              <a:ext uri="{FF2B5EF4-FFF2-40B4-BE49-F238E27FC236}">
+                <a16:creationId xmlns:a16="http://schemas.microsoft.com/office/drawing/2014/main" id="{68BFD1F2-F22C-5542-E67D-26F135161392}"/>
+              </a:ext>
+            </a:extLst>
+          </p:cNvPr>
+          <p:cNvSpPr txBox="1"/>
+          <p:nvPr/>
+        </p:nvSpPr>
+        <p:spPr>
+          <a:xfrm rot="3758714">
+            <a:off x="7057858" y="3016313"/>
+            <a:ext cx="1525418" cy="369332"/>
+          </a:xfrm>
+          <a:prstGeom prst="rect">
+            <a:avLst/>
+          </a:prstGeom>
+          <a:noFill/>
+        </p:spPr>
+        <p:txBody>
+          <a:bodyPr wrap="none" rtlCol="0">
+            <a:spAutoFit/>
+          </a:bodyPr>
+          <a:lstStyle/>
+          <a:p>
+            <a:r>
+              <a:rPr lang="en-US" dirty="0">
+                <a:latin typeface="Avenir Book" panose="02000503020000020003" pitchFamily="2" charset="0"/>
+              </a:rPr>
+              <a:t>chromosome</a:t>
+            </a:r>
+          </a:p>
+        </p:txBody>
+      </p:sp>
+      <p:sp>
+        <p:nvSpPr>
+          <p:cNvPr id="2" name="TextBox 1">
+            <a:extLst>
+              <a:ext uri="{FF2B5EF4-FFF2-40B4-BE49-F238E27FC236}">
+                <a16:creationId xmlns:a16="http://schemas.microsoft.com/office/drawing/2014/main" id="{C6F66163-B85C-3505-172A-090C9EF523FE}"/>
+              </a:ext>
+            </a:extLst>
+          </p:cNvPr>
+          <p:cNvSpPr txBox="1"/>
+          <p:nvPr/>
+        </p:nvSpPr>
+        <p:spPr>
+          <a:xfrm>
+            <a:off x="3702477" y="3412310"/>
+            <a:ext cx="1214371" cy="408623"/>
+          </a:xfrm>
+          <a:prstGeom prst="roundRect">
+            <a:avLst/>
+          </a:prstGeom>
+          <a:noFill/>
+          <a:ln>
+            <a:solidFill>
+              <a:srgbClr val="075353"/>
+            </a:solidFill>
+          </a:ln>
+        </p:spPr>
+        <p:txBody>
+          <a:bodyPr wrap="none" rtlCol="0">
+            <a:spAutoFit/>
+          </a:bodyPr>
+          <a:lstStyle/>
+          <a:p>
+            <a:r>
+              <a:rPr lang="en-US" b="1" dirty="0" err="1">
+                <a:latin typeface="Avenir Book" panose="02000503020000020003" pitchFamily="2" charset="0"/>
+              </a:rPr>
+              <a:t>qualimap</a:t>
+            </a:r>
+            <a:endParaRPr lang="en-US" b="1" dirty="0">
+              <a:latin typeface="Avenir Book" panose="02000503020000020003" pitchFamily="2" charset="0"/>
+            </a:endParaRPr>
+          </a:p>
+        </p:txBody>
+      </p:sp>
+      <p:cxnSp>
+        <p:nvCxnSpPr>
+          <p:cNvPr id="5" name="Straight Connector 4">
+            <a:extLst>
+              <a:ext uri="{FF2B5EF4-FFF2-40B4-BE49-F238E27FC236}">
+                <a16:creationId xmlns:a16="http://schemas.microsoft.com/office/drawing/2014/main" id="{35B22D23-969E-F63B-13DF-D996617FB613}"/>
+              </a:ext>
+            </a:extLst>
+          </p:cNvPr>
+          <p:cNvCxnSpPr>
+            <a:cxnSpLocks/>
+            <a:stCxn id="2" idx="2"/>
+            <a:endCxn id="275" idx="0"/>
+          </p:cNvCxnSpPr>
+          <p:nvPr/>
+        </p:nvCxnSpPr>
+        <p:spPr>
+          <a:xfrm flipH="1">
+            <a:off x="4111914" y="3820933"/>
+            <a:ext cx="197749" cy="152545"/>
+          </a:xfrm>
+          <a:prstGeom prst="line">
+            <a:avLst/>
+          </a:prstGeom>
+          <a:ln>
+            <a:solidFill>
+              <a:srgbClr val="075353"/>
+            </a:solidFill>
+          </a:ln>
+        </p:spPr>
+        <p:style>
+          <a:lnRef idx="1">
+            <a:schemeClr val="accent1"/>
+          </a:lnRef>
+          <a:fillRef idx="0">
+            <a:schemeClr val="accent1"/>
+          </a:fillRef>
+          <a:effectRef idx="0">
+            <a:schemeClr val="accent1"/>
+          </a:effectRef>
+          <a:fontRef idx="minor">
+            <a:schemeClr val="tx1"/>
+          </a:fontRef>
+        </p:style>
+      </p:cxnSp>
+    </p:spTree>
+    <p:extLst>
+      <p:ext uri="{BB962C8B-B14F-4D97-AF65-F5344CB8AC3E}">
+        <p14:creationId xmlns:p14="http://schemas.microsoft.com/office/powerpoint/2010/main" val="3173621924"/>
+      </p:ext>
+    </p:extLst>
+  </p:cSld>
+  <p:clrMapOvr>
+    <a:masterClrMapping/>
+  </p:clrMapOvr>
+</p:sld>
+</file>
+
 <file path=ppt/slides/slide2.xml><?xml version="1.0" encoding="utf-8"?>
 <p:sld xmlns:a="http://schemas.openxmlformats.org/drawingml/2006/main" xmlns:r="http://schemas.openxmlformats.org/officeDocument/2006/relationships" xmlns:p="http://schemas.openxmlformats.org/presentationml/2006/main">
   <p:cSld>
@@ -13339,7 +17751,7 @@
         </p:nvSpPr>
         <p:spPr>
           <a:xfrm>
-            <a:off x="7915500" y="2798580"/>
+            <a:off x="7962150" y="2805908"/>
             <a:ext cx="940068" cy="408623"/>
           </a:xfrm>
           <a:prstGeom prst="roundRect">
@@ -13828,9 +18240,9 @@
           <p:nvPr/>
         </p:nvCxnSpPr>
         <p:spPr>
-          <a:xfrm flipV="1">
-            <a:off x="8246014" y="3207203"/>
-            <a:ext cx="139520" cy="776077"/>
+          <a:xfrm flipH="1" flipV="1">
+            <a:off x="8432184" y="3214531"/>
+            <a:ext cx="69028" cy="771473"/>
           </a:xfrm>
           <a:prstGeom prst="line">
             <a:avLst/>
@@ -14314,15 +18726,13 @@
           </p:cNvPr>
           <p:cNvCxnSpPr>
             <a:cxnSpLocks/>
-            <a:stCxn id="65" idx="6"/>
-            <a:endCxn id="99" idx="1"/>
           </p:cNvCxnSpPr>
           <p:nvPr/>
         </p:nvCxnSpPr>
         <p:spPr>
           <a:xfrm>
-            <a:off x="7499007" y="2497723"/>
-            <a:ext cx="644376" cy="1239734"/>
+            <a:off x="7288279" y="2455952"/>
+            <a:ext cx="720887" cy="1405477"/>
           </a:xfrm>
           <a:prstGeom prst="line">
             <a:avLst/>
@@ -14424,8 +18834,8 @@
         </p:nvCxnSpPr>
         <p:spPr>
           <a:xfrm>
-            <a:off x="8391156" y="3839280"/>
-            <a:ext cx="680749" cy="2724"/>
+            <a:off x="8646354" y="3842004"/>
+            <a:ext cx="611751" cy="0"/>
           </a:xfrm>
           <a:prstGeom prst="line">
             <a:avLst/>
@@ -14466,7 +18876,7 @@
         </p:nvSpPr>
         <p:spPr>
           <a:xfrm>
-            <a:off x="8924266" y="2807309"/>
+            <a:off x="8971766" y="2807309"/>
             <a:ext cx="940068" cy="408623"/>
           </a:xfrm>
           <a:prstGeom prst="roundRect">
@@ -14515,8 +18925,8 @@
         </p:nvCxnSpPr>
         <p:spPr>
           <a:xfrm flipV="1">
-            <a:off x="9217047" y="3215932"/>
-            <a:ext cx="177253" cy="482072"/>
+            <a:off x="9403247" y="3215932"/>
+            <a:ext cx="38553" cy="482072"/>
           </a:xfrm>
           <a:prstGeom prst="line">
             <a:avLst/>
@@ -14553,15 +18963,14 @@
           </p:cNvPr>
           <p:cNvCxnSpPr>
             <a:cxnSpLocks/>
-            <a:stCxn id="99" idx="4"/>
             <a:endCxn id="374" idx="1"/>
           </p:cNvCxnSpPr>
           <p:nvPr/>
         </p:nvCxnSpPr>
         <p:spPr>
           <a:xfrm>
-            <a:off x="8246014" y="3983280"/>
-            <a:ext cx="686273" cy="1204276"/>
+            <a:off x="8025320" y="3885260"/>
+            <a:ext cx="863425" cy="1302296"/>
           </a:xfrm>
           <a:prstGeom prst="line">
             <a:avLst/>
@@ -14588,63 +18997,6 @@
           </a:fontRef>
         </p:style>
       </p:cxnSp>
-      <p:sp>
-        <p:nvSpPr>
-          <p:cNvPr id="99" name="Oval 98">
-            <a:extLst>
-              <a:ext uri="{FF2B5EF4-FFF2-40B4-BE49-F238E27FC236}">
-                <a16:creationId xmlns:a16="http://schemas.microsoft.com/office/drawing/2014/main" id="{F851BA4F-1251-77B2-815E-B3BED17FB7D7}"/>
-              </a:ext>
-            </a:extLst>
-          </p:cNvPr>
-          <p:cNvSpPr>
-            <a:spLocks noChangeAspect="1"/>
-          </p:cNvSpPr>
-          <p:nvPr/>
-        </p:nvSpPr>
-        <p:spPr>
-          <a:xfrm>
-            <a:off x="8100872" y="3695280"/>
-            <a:ext cx="290284" cy="288000"/>
-          </a:xfrm>
-          <a:prstGeom prst="ellipse">
-            <a:avLst/>
-          </a:prstGeom>
-          <a:solidFill>
-            <a:srgbClr val="075353"/>
-          </a:solidFill>
-          <a:ln>
-            <a:noFill/>
-          </a:ln>
-        </p:spPr>
-        <p:style>
-          <a:lnRef idx="2">
-            <a:schemeClr val="accent1">
-              <a:shade val="15000"/>
-            </a:schemeClr>
-          </a:lnRef>
-          <a:fillRef idx="1">
-            <a:schemeClr val="accent1"/>
-          </a:fillRef>
-          <a:effectRef idx="0">
-            <a:schemeClr val="accent1"/>
-          </a:effectRef>
-          <a:fontRef idx="minor">
-            <a:schemeClr val="lt1"/>
-          </a:fontRef>
-        </p:style>
-        <p:txBody>
-          <a:bodyPr lIns="0" tIns="0" rIns="0" bIns="0" rtlCol="0" anchor="ctr"/>
-          <a:lstStyle/>
-          <a:p>
-            <a:pPr algn="ctr"/>
-            <a:r>
-              <a:rPr lang="en-US" sz="1400" dirty="0"/>
-              <a:t>11</a:t>
-            </a:r>
-          </a:p>
-        </p:txBody>
-      </p:sp>
       <p:cxnSp>
         <p:nvCxnSpPr>
           <p:cNvPr id="237" name="Straight Connector 236">
@@ -15604,8 +19956,8 @@
         </p:nvCxnSpPr>
         <p:spPr>
           <a:xfrm flipH="1">
-            <a:off x="9180060" y="5289198"/>
-            <a:ext cx="126583" cy="181"/>
+            <a:off x="9136518" y="5289198"/>
+            <a:ext cx="170125" cy="181"/>
           </a:xfrm>
           <a:prstGeom prst="line">
             <a:avLst/>
@@ -15943,8 +20295,8 @@
         </p:nvCxnSpPr>
         <p:spPr>
           <a:xfrm>
-            <a:off x="9362189" y="3842004"/>
-            <a:ext cx="540000" cy="0"/>
+            <a:off x="9548389" y="3842004"/>
+            <a:ext cx="331911" cy="0"/>
           </a:xfrm>
           <a:prstGeom prst="line">
             <a:avLst/>
@@ -16045,7 +20397,7 @@
         </p:nvSpPr>
         <p:spPr>
           <a:xfrm>
-            <a:off x="9071905" y="3698004"/>
+            <a:off x="9258105" y="3698004"/>
             <a:ext cx="290284" cy="288000"/>
           </a:xfrm>
           <a:prstGeom prst="ellipse">
@@ -16191,7 +20543,7 @@
         </p:blipFill>
         <p:spPr>
           <a:xfrm>
-            <a:off x="10030274" y="3047896"/>
+            <a:off x="10101524" y="3047896"/>
             <a:ext cx="909402" cy="1080000"/>
           </a:xfrm>
           <a:prstGeom prst="rect">
@@ -16227,7 +20579,7 @@
         </p:blipFill>
         <p:spPr>
           <a:xfrm>
-            <a:off x="10030274" y="199641"/>
+            <a:off x="10101524" y="199641"/>
             <a:ext cx="909402" cy="1080000"/>
           </a:xfrm>
           <a:prstGeom prst="rect">
@@ -16263,7 +20615,7 @@
         </p:blipFill>
         <p:spPr>
           <a:xfrm>
-            <a:off x="10030274" y="1599313"/>
+            <a:off x="10101524" y="1623769"/>
             <a:ext cx="909402" cy="1080000"/>
           </a:xfrm>
           <a:prstGeom prst="rect">
@@ -16335,7 +20687,7 @@
         </p:blipFill>
         <p:spPr>
           <a:xfrm>
-            <a:off x="11040650" y="1599313"/>
+            <a:off x="11040650" y="1623769"/>
             <a:ext cx="906023" cy="1080000"/>
           </a:xfrm>
           <a:prstGeom prst="rect">
@@ -16393,7 +20745,7 @@
         </p:nvSpPr>
         <p:spPr>
           <a:xfrm>
-            <a:off x="6694579" y="3710893"/>
+            <a:off x="6205592" y="4156982"/>
             <a:ext cx="1138548" cy="408623"/>
           </a:xfrm>
           <a:prstGeom prst="roundRect">
@@ -16440,8 +20792,8 @@
         </p:nvCxnSpPr>
         <p:spPr>
           <a:xfrm flipH="1">
-            <a:off x="7263853" y="2641723"/>
-            <a:ext cx="90012" cy="1069170"/>
+            <a:off x="6774866" y="2641723"/>
+            <a:ext cx="578999" cy="1515259"/>
           </a:xfrm>
           <a:prstGeom prst="line">
             <a:avLst/>
@@ -16778,13 +21130,14 @@
           </p:cNvPr>
           <p:cNvCxnSpPr>
             <a:cxnSpLocks/>
+            <a:stCxn id="374" idx="5"/>
           </p:cNvCxnSpPr>
           <p:nvPr/>
         </p:nvCxnSpPr>
         <p:spPr>
           <a:xfrm>
-            <a:off x="9104544" y="5409540"/>
-            <a:ext cx="257645" cy="372069"/>
+            <a:off x="9094007" y="5391202"/>
+            <a:ext cx="287139" cy="356551"/>
           </a:xfrm>
           <a:prstGeom prst="line">
             <a:avLst/>
@@ -16828,7 +21181,7 @@
         </p:nvSpPr>
         <p:spPr>
           <a:xfrm>
-            <a:off x="8889776" y="5145379"/>
+            <a:off x="8846234" y="5145379"/>
             <a:ext cx="290284" cy="288000"/>
           </a:xfrm>
           <a:prstGeom prst="ellipse">
@@ -17036,6 +21389,218 @@
             <a:r>
               <a:rPr lang="en-US" dirty="0"/>
               <a:t>7</a:t>
+            </a:r>
+          </a:p>
+        </p:txBody>
+      </p:sp>
+      <p:sp>
+        <p:nvSpPr>
+          <p:cNvPr id="3" name="TextBox 2">
+            <a:extLst>
+              <a:ext uri="{FF2B5EF4-FFF2-40B4-BE49-F238E27FC236}">
+                <a16:creationId xmlns:a16="http://schemas.microsoft.com/office/drawing/2014/main" id="{FEAC9F25-3D9C-5B86-3194-D5506B9B93B1}"/>
+              </a:ext>
+            </a:extLst>
+          </p:cNvPr>
+          <p:cNvSpPr txBox="1"/>
+          <p:nvPr/>
+        </p:nvSpPr>
+        <p:spPr>
+          <a:xfrm rot="18890675">
+            <a:off x="7540400" y="1532719"/>
+            <a:ext cx="843501" cy="369332"/>
+          </a:xfrm>
+          <a:prstGeom prst="rect">
+            <a:avLst/>
+          </a:prstGeom>
+          <a:noFill/>
+        </p:spPr>
+        <p:txBody>
+          <a:bodyPr wrap="none" rtlCol="0">
+            <a:spAutoFit/>
+          </a:bodyPr>
+          <a:lstStyle/>
+          <a:p>
+            <a:r>
+              <a:rPr lang="en-US" dirty="0">
+                <a:latin typeface="Avenir Book" panose="02000503020000020003" pitchFamily="2" charset="0"/>
+              </a:rPr>
+              <a:t>phage</a:t>
+            </a:r>
+          </a:p>
+        </p:txBody>
+      </p:sp>
+      <p:cxnSp>
+        <p:nvCxnSpPr>
+          <p:cNvPr id="13" name="Straight Connector 12">
+            <a:extLst>
+              <a:ext uri="{FF2B5EF4-FFF2-40B4-BE49-F238E27FC236}">
+                <a16:creationId xmlns:a16="http://schemas.microsoft.com/office/drawing/2014/main" id="{EA9ED06A-8ED3-B849-77AA-BC55A900FD1B}"/>
+              </a:ext>
+            </a:extLst>
+          </p:cNvPr>
+          <p:cNvCxnSpPr>
+            <a:cxnSpLocks/>
+          </p:cNvCxnSpPr>
+          <p:nvPr/>
+        </p:nvCxnSpPr>
+        <p:spPr>
+          <a:xfrm>
+            <a:off x="8017822" y="3861665"/>
+            <a:ext cx="425551" cy="0"/>
+          </a:xfrm>
+          <a:prstGeom prst="line">
+            <a:avLst/>
+          </a:prstGeom>
+          <a:ln w="88900" cap="rnd">
+            <a:solidFill>
+              <a:srgbClr val="00C0C0"/>
+            </a:solidFill>
+            <a:round/>
+          </a:ln>
+        </p:spPr>
+        <p:style>
+          <a:lnRef idx="1">
+            <a:schemeClr val="accent1"/>
+          </a:lnRef>
+          <a:fillRef idx="0">
+            <a:schemeClr val="accent1"/>
+          </a:fillRef>
+          <a:effectRef idx="0">
+            <a:schemeClr val="accent1"/>
+          </a:effectRef>
+          <a:fontRef idx="minor">
+            <a:schemeClr val="tx1"/>
+          </a:fontRef>
+        </p:style>
+      </p:cxnSp>
+      <p:sp>
+        <p:nvSpPr>
+          <p:cNvPr id="18" name="TextBox 17">
+            <a:extLst>
+              <a:ext uri="{FF2B5EF4-FFF2-40B4-BE49-F238E27FC236}">
+                <a16:creationId xmlns:a16="http://schemas.microsoft.com/office/drawing/2014/main" id="{D739DBB5-EB1D-FEB3-74C0-CF2D2F6D5610}"/>
+              </a:ext>
+            </a:extLst>
+          </p:cNvPr>
+          <p:cNvSpPr txBox="1"/>
+          <p:nvPr/>
+        </p:nvSpPr>
+        <p:spPr>
+          <a:xfrm>
+            <a:off x="7719674" y="2153170"/>
+            <a:ext cx="994183" cy="369332"/>
+          </a:xfrm>
+          <a:prstGeom prst="rect">
+            <a:avLst/>
+          </a:prstGeom>
+          <a:noFill/>
+        </p:spPr>
+        <p:txBody>
+          <a:bodyPr wrap="none" rtlCol="0">
+            <a:spAutoFit/>
+          </a:bodyPr>
+          <a:lstStyle/>
+          <a:p>
+            <a:r>
+              <a:rPr lang="en-US" dirty="0">
+                <a:latin typeface="Avenir Book" panose="02000503020000020003" pitchFamily="2" charset="0"/>
+              </a:rPr>
+              <a:t>plasmid</a:t>
+            </a:r>
+          </a:p>
+        </p:txBody>
+      </p:sp>
+      <p:sp>
+        <p:nvSpPr>
+          <p:cNvPr id="99" name="Oval 98">
+            <a:extLst>
+              <a:ext uri="{FF2B5EF4-FFF2-40B4-BE49-F238E27FC236}">
+                <a16:creationId xmlns:a16="http://schemas.microsoft.com/office/drawing/2014/main" id="{F851BA4F-1251-77B2-815E-B3BED17FB7D7}"/>
+              </a:ext>
+            </a:extLst>
+          </p:cNvPr>
+          <p:cNvSpPr>
+            <a:spLocks noChangeAspect="1"/>
+          </p:cNvSpPr>
+          <p:nvPr/>
+        </p:nvSpPr>
+        <p:spPr>
+          <a:xfrm>
+            <a:off x="8356070" y="3698004"/>
+            <a:ext cx="290284" cy="288000"/>
+          </a:xfrm>
+          <a:prstGeom prst="ellipse">
+            <a:avLst/>
+          </a:prstGeom>
+          <a:solidFill>
+            <a:srgbClr val="075353"/>
+          </a:solidFill>
+          <a:ln>
+            <a:noFill/>
+          </a:ln>
+        </p:spPr>
+        <p:style>
+          <a:lnRef idx="2">
+            <a:schemeClr val="accent1">
+              <a:shade val="15000"/>
+            </a:schemeClr>
+          </a:lnRef>
+          <a:fillRef idx="1">
+            <a:schemeClr val="accent1"/>
+          </a:fillRef>
+          <a:effectRef idx="0">
+            <a:schemeClr val="accent1"/>
+          </a:effectRef>
+          <a:fontRef idx="minor">
+            <a:schemeClr val="lt1"/>
+          </a:fontRef>
+        </p:style>
+        <p:txBody>
+          <a:bodyPr lIns="0" tIns="0" rIns="0" bIns="0" rtlCol="0" anchor="ctr"/>
+          <a:lstStyle/>
+          <a:p>
+            <a:pPr algn="ctr"/>
+            <a:r>
+              <a:rPr lang="en-US" sz="1400" dirty="0"/>
+              <a:t>11</a:t>
+            </a:r>
+          </a:p>
+        </p:txBody>
+      </p:sp>
+      <p:sp>
+        <p:nvSpPr>
+          <p:cNvPr id="19" name="TextBox 18">
+            <a:extLst>
+              <a:ext uri="{FF2B5EF4-FFF2-40B4-BE49-F238E27FC236}">
+                <a16:creationId xmlns:a16="http://schemas.microsoft.com/office/drawing/2014/main" id="{68BFD1F2-F22C-5542-E67D-26F135161392}"/>
+              </a:ext>
+            </a:extLst>
+          </p:cNvPr>
+          <p:cNvSpPr txBox="1"/>
+          <p:nvPr/>
+        </p:nvSpPr>
+        <p:spPr>
+          <a:xfrm rot="3758714">
+            <a:off x="7057858" y="3016313"/>
+            <a:ext cx="1525418" cy="369332"/>
+          </a:xfrm>
+          <a:prstGeom prst="rect">
+            <a:avLst/>
+          </a:prstGeom>
+          <a:noFill/>
+        </p:spPr>
+        <p:txBody>
+          <a:bodyPr wrap="none" rtlCol="0">
+            <a:spAutoFit/>
+          </a:bodyPr>
+          <a:lstStyle/>
+          <a:p>
+            <a:r>
+              <a:rPr lang="en-US" dirty="0">
+                <a:latin typeface="Avenir Book" panose="02000503020000020003" pitchFamily="2" charset="0"/>
+              </a:rPr>
+              <a:t>chromosome</a:t>
             </a:r>
           </a:p>
         </p:txBody>
